--- a/HSTR121/ppts/Rock and Roll outside the West.pptx
+++ b/HSTR121/ppts/Rock and Roll outside the West.pptx
@@ -5,7 +5,7 @@
     <p:sldMasterId id="2147483648" r:id="rId1"/>
   </p:sldMasterIdLst>
   <p:notesMasterIdLst>
-    <p:notesMasterId r:id="rId11"/>
+    <p:notesMasterId r:id="rId14"/>
   </p:notesMasterIdLst>
   <p:sldIdLst>
     <p:sldId id="256" r:id="rId2"/>
@@ -17,6 +17,9 @@
     <p:sldId id="266" r:id="rId8"/>
     <p:sldId id="264" r:id="rId9"/>
     <p:sldId id="265" r:id="rId10"/>
+    <p:sldId id="267" r:id="rId11"/>
+    <p:sldId id="268" r:id="rId12"/>
+    <p:sldId id="269" r:id="rId13"/>
   </p:sldIdLst>
   <p:sldSz cx="12192000" cy="6858000"/>
   <p:notesSz cx="6858000" cy="9144000"/>
@@ -123,6 +126,282 @@
 </p:presentation>
 </file>
 
+<file path=ppt/changesInfos/changesInfo1.xml><?xml version="1.0" encoding="utf-8"?>
+<pc:chgInfo xmlns:a="http://schemas.openxmlformats.org/drawingml/2006/main" xmlns:r="http://schemas.openxmlformats.org/officeDocument/2006/relationships" xmlns:ac="http://schemas.microsoft.com/office/drawing/2013/main/command" xmlns:pc="http://schemas.microsoft.com/office/powerpoint/2013/main/command">
+  <pc:docChgLst>
+    <pc:chgData name="Mark Baker" userId="7debe814d9197520" providerId="LiveId" clId="{8A079130-4490-4A15-9596-FB11ABB568C6}"/>
+    <pc:docChg chg="modSld">
+      <pc:chgData name="Mark Baker" userId="7debe814d9197520" providerId="LiveId" clId="{8A079130-4490-4A15-9596-FB11ABB568C6}" dt="2018-03-28T02:25:45.719" v="0" actId="113"/>
+      <pc:docMkLst>
+        <pc:docMk/>
+      </pc:docMkLst>
+      <pc:sldChg chg="modSp">
+        <pc:chgData name="Mark Baker" userId="7debe814d9197520" providerId="LiveId" clId="{8A079130-4490-4A15-9596-FB11ABB568C6}" dt="2018-03-28T02:25:45.719" v="0" actId="113"/>
+        <pc:sldMkLst>
+          <pc:docMk/>
+          <pc:sldMk cId="3001035205" sldId="257"/>
+        </pc:sldMkLst>
+        <pc:spChg chg="mod">
+          <ac:chgData name="Mark Baker" userId="7debe814d9197520" providerId="LiveId" clId="{8A079130-4490-4A15-9596-FB11ABB568C6}" dt="2018-03-28T02:25:45.719" v="0" actId="113"/>
+          <ac:spMkLst>
+            <pc:docMk/>
+            <pc:sldMk cId="3001035205" sldId="257"/>
+            <ac:spMk id="2" creationId="{00000000-0000-0000-0000-000000000000}"/>
+          </ac:spMkLst>
+        </pc:spChg>
+      </pc:sldChg>
+    </pc:docChg>
+  </pc:docChgLst>
+  <pc:docChgLst>
+    <pc:chgData name="Mark Baker" userId="7debe814d9197520" providerId="LiveId" clId="{CFD23343-7CFC-4927-BA76-2E37EDE4C2FF}"/>
+    <pc:docChg chg="undo custSel addSld delSld modSld">
+      <pc:chgData name="Mark Baker" userId="7debe814d9197520" providerId="LiveId" clId="{CFD23343-7CFC-4927-BA76-2E37EDE4C2FF}" dt="2018-04-03T02:55:08.487" v="1158" actId="20577"/>
+      <pc:docMkLst>
+        <pc:docMk/>
+      </pc:docMkLst>
+      <pc:sldChg chg="modSp">
+        <pc:chgData name="Mark Baker" userId="7debe814d9197520" providerId="LiveId" clId="{CFD23343-7CFC-4927-BA76-2E37EDE4C2FF}" dt="2018-04-03T00:08:25.108" v="435"/>
+        <pc:sldMkLst>
+          <pc:docMk/>
+          <pc:sldMk cId="4279904822" sldId="260"/>
+        </pc:sldMkLst>
+        <pc:spChg chg="mod">
+          <ac:chgData name="Mark Baker" userId="7debe814d9197520" providerId="LiveId" clId="{CFD23343-7CFC-4927-BA76-2E37EDE4C2FF}" dt="2018-04-03T00:08:25.108" v="435"/>
+          <ac:spMkLst>
+            <pc:docMk/>
+            <pc:sldMk cId="4279904822" sldId="260"/>
+            <ac:spMk id="3" creationId="{00000000-0000-0000-0000-000000000000}"/>
+          </ac:spMkLst>
+        </pc:spChg>
+      </pc:sldChg>
+      <pc:sldChg chg="modSp">
+        <pc:chgData name="Mark Baker" userId="7debe814d9197520" providerId="LiveId" clId="{CFD23343-7CFC-4927-BA76-2E37EDE4C2FF}" dt="2018-04-03T00:08:25.108" v="435"/>
+        <pc:sldMkLst>
+          <pc:docMk/>
+          <pc:sldMk cId="1297444998" sldId="261"/>
+        </pc:sldMkLst>
+        <pc:spChg chg="mod">
+          <ac:chgData name="Mark Baker" userId="7debe814d9197520" providerId="LiveId" clId="{CFD23343-7CFC-4927-BA76-2E37EDE4C2FF}" dt="2018-04-03T00:08:25.108" v="435"/>
+          <ac:spMkLst>
+            <pc:docMk/>
+            <pc:sldMk cId="1297444998" sldId="261"/>
+            <ac:spMk id="3" creationId="{00000000-0000-0000-0000-000000000000}"/>
+          </ac:spMkLst>
+        </pc:spChg>
+      </pc:sldChg>
+      <pc:sldChg chg="modSp">
+        <pc:chgData name="Mark Baker" userId="7debe814d9197520" providerId="LiveId" clId="{CFD23343-7CFC-4927-BA76-2E37EDE4C2FF}" dt="2018-04-03T00:08:25.108" v="435"/>
+        <pc:sldMkLst>
+          <pc:docMk/>
+          <pc:sldMk cId="1767202849" sldId="262"/>
+        </pc:sldMkLst>
+        <pc:spChg chg="mod">
+          <ac:chgData name="Mark Baker" userId="7debe814d9197520" providerId="LiveId" clId="{CFD23343-7CFC-4927-BA76-2E37EDE4C2FF}" dt="2018-04-03T00:08:25.108" v="435"/>
+          <ac:spMkLst>
+            <pc:docMk/>
+            <pc:sldMk cId="1767202849" sldId="262"/>
+            <ac:spMk id="3" creationId="{00000000-0000-0000-0000-000000000000}"/>
+          </ac:spMkLst>
+        </pc:spChg>
+      </pc:sldChg>
+      <pc:sldChg chg="modSp">
+        <pc:chgData name="Mark Baker" userId="7debe814d9197520" providerId="LiveId" clId="{CFD23343-7CFC-4927-BA76-2E37EDE4C2FF}" dt="2018-04-03T00:08:25.108" v="435"/>
+        <pc:sldMkLst>
+          <pc:docMk/>
+          <pc:sldMk cId="2898509456" sldId="263"/>
+        </pc:sldMkLst>
+        <pc:spChg chg="mod">
+          <ac:chgData name="Mark Baker" userId="7debe814d9197520" providerId="LiveId" clId="{CFD23343-7CFC-4927-BA76-2E37EDE4C2FF}" dt="2018-04-03T00:08:25.108" v="435"/>
+          <ac:spMkLst>
+            <pc:docMk/>
+            <pc:sldMk cId="2898509456" sldId="263"/>
+            <ac:spMk id="3" creationId="{00000000-0000-0000-0000-000000000000}"/>
+          </ac:spMkLst>
+        </pc:spChg>
+      </pc:sldChg>
+      <pc:sldChg chg="modSp">
+        <pc:chgData name="Mark Baker" userId="7debe814d9197520" providerId="LiveId" clId="{CFD23343-7CFC-4927-BA76-2E37EDE4C2FF}" dt="2018-04-03T00:08:25.108" v="435"/>
+        <pc:sldMkLst>
+          <pc:docMk/>
+          <pc:sldMk cId="2154006453" sldId="265"/>
+        </pc:sldMkLst>
+        <pc:spChg chg="mod">
+          <ac:chgData name="Mark Baker" userId="7debe814d9197520" providerId="LiveId" clId="{CFD23343-7CFC-4927-BA76-2E37EDE4C2FF}" dt="2018-04-03T00:08:25.108" v="435"/>
+          <ac:spMkLst>
+            <pc:docMk/>
+            <pc:sldMk cId="2154006453" sldId="265"/>
+            <ac:spMk id="3" creationId="{00000000-0000-0000-0000-000000000000}"/>
+          </ac:spMkLst>
+        </pc:spChg>
+      </pc:sldChg>
+      <pc:sldChg chg="modSp">
+        <pc:chgData name="Mark Baker" userId="7debe814d9197520" providerId="LiveId" clId="{CFD23343-7CFC-4927-BA76-2E37EDE4C2FF}" dt="2018-04-03T00:08:25.108" v="435"/>
+        <pc:sldMkLst>
+          <pc:docMk/>
+          <pc:sldMk cId="3236320848" sldId="266"/>
+        </pc:sldMkLst>
+        <pc:spChg chg="mod">
+          <ac:chgData name="Mark Baker" userId="7debe814d9197520" providerId="LiveId" clId="{CFD23343-7CFC-4927-BA76-2E37EDE4C2FF}" dt="2018-04-03T00:08:25.108" v="435"/>
+          <ac:spMkLst>
+            <pc:docMk/>
+            <pc:sldMk cId="3236320848" sldId="266"/>
+            <ac:spMk id="3" creationId="{00000000-0000-0000-0000-000000000000}"/>
+          </ac:spMkLst>
+        </pc:spChg>
+      </pc:sldChg>
+      <pc:sldChg chg="addSp delSp modSp add mod setBg setClrOvrMap">
+        <pc:chgData name="Mark Baker" userId="7debe814d9197520" providerId="LiveId" clId="{CFD23343-7CFC-4927-BA76-2E37EDE4C2FF}" dt="2018-04-03T00:07:01.072" v="410" actId="14100"/>
+        <pc:sldMkLst>
+          <pc:docMk/>
+          <pc:sldMk cId="396021360" sldId="267"/>
+        </pc:sldMkLst>
+        <pc:spChg chg="mod">
+          <ac:chgData name="Mark Baker" userId="7debe814d9197520" providerId="LiveId" clId="{CFD23343-7CFC-4927-BA76-2E37EDE4C2FF}" dt="2018-04-02T23:44:54.811" v="167" actId="26606"/>
+          <ac:spMkLst>
+            <pc:docMk/>
+            <pc:sldMk cId="396021360" sldId="267"/>
+            <ac:spMk id="2" creationId="{1665117F-FB0E-4061-AE8E-995A707A41DA}"/>
+          </ac:spMkLst>
+        </pc:spChg>
+        <pc:spChg chg="mod">
+          <ac:chgData name="Mark Baker" userId="7debe814d9197520" providerId="LiveId" clId="{CFD23343-7CFC-4927-BA76-2E37EDE4C2FF}" dt="2018-04-02T23:48:19.189" v="200" actId="20577"/>
+          <ac:spMkLst>
+            <pc:docMk/>
+            <pc:sldMk cId="396021360" sldId="267"/>
+            <ac:spMk id="3" creationId="{6F7F9A11-EE68-4932-B2B4-EBCC270188A3}"/>
+          </ac:spMkLst>
+        </pc:spChg>
+        <pc:spChg chg="add mod">
+          <ac:chgData name="Mark Baker" userId="7debe814d9197520" providerId="LiveId" clId="{CFD23343-7CFC-4927-BA76-2E37EDE4C2FF}" dt="2018-04-03T00:07:01.072" v="410" actId="14100"/>
+          <ac:spMkLst>
+            <pc:docMk/>
+            <pc:sldMk cId="396021360" sldId="267"/>
+            <ac:spMk id="6" creationId="{03701BE2-68F3-419A-9598-6A599689CAD7}"/>
+          </ac:spMkLst>
+        </pc:spChg>
+        <pc:spChg chg="add del">
+          <ac:chgData name="Mark Baker" userId="7debe814d9197520" providerId="LiveId" clId="{CFD23343-7CFC-4927-BA76-2E37EDE4C2FF}" dt="2018-04-02T23:44:10.821" v="156" actId="26606"/>
+          <ac:spMkLst>
+            <pc:docMk/>
+            <pc:sldMk cId="396021360" sldId="267"/>
+            <ac:spMk id="7" creationId="{2B1D4F77-A17C-43D7-B7FA-545148E4E93D}"/>
+          </ac:spMkLst>
+        </pc:spChg>
+        <pc:spChg chg="add del">
+          <ac:chgData name="Mark Baker" userId="7debe814d9197520" providerId="LiveId" clId="{CFD23343-7CFC-4927-BA76-2E37EDE4C2FF}" dt="2018-04-02T23:44:41.646" v="162" actId="26606"/>
+          <ac:spMkLst>
+            <pc:docMk/>
+            <pc:sldMk cId="396021360" sldId="267"/>
+            <ac:spMk id="8" creationId="{9228552E-C8B1-4A80-8448-0787CE0FC704}"/>
+          </ac:spMkLst>
+        </pc:spChg>
+        <pc:spChg chg="add del">
+          <ac:chgData name="Mark Baker" userId="7debe814d9197520" providerId="LiveId" clId="{CFD23343-7CFC-4927-BA76-2E37EDE4C2FF}" dt="2018-04-02T23:44:36.069" v="158" actId="26606"/>
+          <ac:spMkLst>
+            <pc:docMk/>
+            <pc:sldMk cId="396021360" sldId="267"/>
+            <ac:spMk id="9" creationId="{9228552E-C8B1-4A80-8448-0787CE0FC704}"/>
+          </ac:spMkLst>
+        </pc:spChg>
+        <pc:spChg chg="add del">
+          <ac:chgData name="Mark Baker" userId="7debe814d9197520" providerId="LiveId" clId="{CFD23343-7CFC-4927-BA76-2E37EDE4C2FF}" dt="2018-04-02T23:43:57.783" v="150" actId="26606"/>
+          <ac:spMkLst>
+            <pc:docMk/>
+            <pc:sldMk cId="396021360" sldId="267"/>
+            <ac:spMk id="10" creationId="{C5E6CFF1-2F42-4E10-9A97-F116F46F53FE}"/>
+          </ac:spMkLst>
+        </pc:spChg>
+        <pc:spChg chg="add">
+          <ac:chgData name="Mark Baker" userId="7debe814d9197520" providerId="LiveId" clId="{CFD23343-7CFC-4927-BA76-2E37EDE4C2FF}" dt="2018-04-02T23:44:54.811" v="167" actId="26606"/>
+          <ac:spMkLst>
+            <pc:docMk/>
+            <pc:sldMk cId="396021360" sldId="267"/>
+            <ac:spMk id="11" creationId="{C5E6CFF1-2F42-4E10-9A97-F116F46F53FE}"/>
+          </ac:spMkLst>
+        </pc:spChg>
+        <pc:spChg chg="add del">
+          <ac:chgData name="Mark Baker" userId="7debe814d9197520" providerId="LiveId" clId="{CFD23343-7CFC-4927-BA76-2E37EDE4C2FF}" dt="2018-04-02T23:44:02.384" v="152" actId="26606"/>
+          <ac:spMkLst>
+            <pc:docMk/>
+            <pc:sldMk cId="396021360" sldId="267"/>
+            <ac:spMk id="14" creationId="{73ED6512-6858-4552-B699-9A97FE9A4EA2}"/>
+          </ac:spMkLst>
+        </pc:spChg>
+        <pc:spChg chg="add del">
+          <ac:chgData name="Mark Baker" userId="7debe814d9197520" providerId="LiveId" clId="{CFD23343-7CFC-4927-BA76-2E37EDE4C2FF}" dt="2018-04-02T23:44:02.384" v="152" actId="26606"/>
+          <ac:spMkLst>
+            <pc:docMk/>
+            <pc:sldMk cId="396021360" sldId="267"/>
+            <ac:spMk id="15" creationId="{4038CB10-1F5C-4D54-9DF7-12586DE5B007}"/>
+          </ac:spMkLst>
+        </pc:spChg>
+        <pc:picChg chg="add mod ord">
+          <ac:chgData name="Mark Baker" userId="7debe814d9197520" providerId="LiveId" clId="{CFD23343-7CFC-4927-BA76-2E37EDE4C2FF}" dt="2018-04-02T23:47:37.909" v="168" actId="27614"/>
+          <ac:picMkLst>
+            <pc:docMk/>
+            <pc:sldMk cId="396021360" sldId="267"/>
+            <ac:picMk id="5" creationId="{F6585714-6D18-42BB-9398-42174DB7FB5F}"/>
+          </ac:picMkLst>
+        </pc:picChg>
+        <pc:cxnChg chg="add del">
+          <ac:chgData name="Mark Baker" userId="7debe814d9197520" providerId="LiveId" clId="{CFD23343-7CFC-4927-BA76-2E37EDE4C2FF}" dt="2018-04-02T23:43:57.783" v="150" actId="26606"/>
+          <ac:cxnSpMkLst>
+            <pc:docMk/>
+            <pc:sldMk cId="396021360" sldId="267"/>
+            <ac:cxnSpMk id="12" creationId="{67182200-4859-4C8D-BCBB-55B245C28BA3}"/>
+          </ac:cxnSpMkLst>
+        </pc:cxnChg>
+        <pc:cxnChg chg="add">
+          <ac:chgData name="Mark Baker" userId="7debe814d9197520" providerId="LiveId" clId="{CFD23343-7CFC-4927-BA76-2E37EDE4C2FF}" dt="2018-04-02T23:44:54.811" v="167" actId="26606"/>
+          <ac:cxnSpMkLst>
+            <pc:docMk/>
+            <pc:sldMk cId="396021360" sldId="267"/>
+            <ac:cxnSpMk id="13" creationId="{67182200-4859-4C8D-BCBB-55B245C28BA3}"/>
+          </ac:cxnSpMkLst>
+        </pc:cxnChg>
+      </pc:sldChg>
+      <pc:sldChg chg="modSp add">
+        <pc:chgData name="Mark Baker" userId="7debe814d9197520" providerId="LiveId" clId="{CFD23343-7CFC-4927-BA76-2E37EDE4C2FF}" dt="2018-04-03T00:49:54.611" v="731" actId="255"/>
+        <pc:sldMkLst>
+          <pc:docMk/>
+          <pc:sldMk cId="474771103" sldId="268"/>
+        </pc:sldMkLst>
+        <pc:spChg chg="mod">
+          <ac:chgData name="Mark Baker" userId="7debe814d9197520" providerId="LiveId" clId="{CFD23343-7CFC-4927-BA76-2E37EDE4C2FF}" dt="2018-04-03T00:49:54.611" v="731" actId="255"/>
+          <ac:spMkLst>
+            <pc:docMk/>
+            <pc:sldMk cId="474771103" sldId="268"/>
+            <ac:spMk id="3" creationId="{6F7F9A11-EE68-4932-B2B4-EBCC270188A3}"/>
+          </ac:spMkLst>
+        </pc:spChg>
+      </pc:sldChg>
+      <pc:sldChg chg="add del">
+        <pc:chgData name="Mark Baker" userId="7debe814d9197520" providerId="LiveId" clId="{CFD23343-7CFC-4927-BA76-2E37EDE4C2FF}" dt="2018-04-02T23:47:46.670" v="170"/>
+        <pc:sldMkLst>
+          <pc:docMk/>
+          <pc:sldMk cId="2408412991" sldId="268"/>
+        </pc:sldMkLst>
+      </pc:sldChg>
+      <pc:sldChg chg="modSp add">
+        <pc:chgData name="Mark Baker" userId="7debe814d9197520" providerId="LiveId" clId="{CFD23343-7CFC-4927-BA76-2E37EDE4C2FF}" dt="2018-04-03T02:55:08.487" v="1158" actId="20577"/>
+        <pc:sldMkLst>
+          <pc:docMk/>
+          <pc:sldMk cId="2464994439" sldId="269"/>
+        </pc:sldMkLst>
+        <pc:spChg chg="mod">
+          <ac:chgData name="Mark Baker" userId="7debe814d9197520" providerId="LiveId" clId="{CFD23343-7CFC-4927-BA76-2E37EDE4C2FF}" dt="2018-04-03T02:55:08.487" v="1158" actId="20577"/>
+          <ac:spMkLst>
+            <pc:docMk/>
+            <pc:sldMk cId="2464994439" sldId="269"/>
+            <ac:spMk id="3" creationId="{6F7F9A11-EE68-4932-B2B4-EBCC270188A3}"/>
+          </ac:spMkLst>
+        </pc:spChg>
+      </pc:sldChg>
+    </pc:docChg>
+  </pc:docChgLst>
+</pc:chgInfo>
+</file>
+
 <file path=ppt/notesMasters/notesMaster1.xml><?xml version="1.0" encoding="utf-8"?>
 <p:notesMaster xmlns:a="http://schemas.openxmlformats.org/drawingml/2006/main" xmlns:r="http://schemas.openxmlformats.org/officeDocument/2006/relationships" xmlns:p="http://schemas.openxmlformats.org/presentationml/2006/main">
   <p:cSld>
@@ -205,7 +484,7 @@
           <a:p>
             <a:fld id="{B8DE5A1C-9983-423C-B46F-CB8EF542F572}" type="datetimeFigureOut">
               <a:rPr lang="en-US" smtClean="0"/>
-              <a:t>12/21/2016</a:t>
+              <a:t>4/2/2018</a:t>
             </a:fld>
             <a:endParaRPr lang="en-US"/>
           </a:p>
@@ -269,38 +548,37 @@
           <a:p>
             <a:pPr lvl="0"/>
             <a:r>
-              <a:rPr lang="en-US" smtClean="0"/>
+              <a:rPr lang="en-US"/>
               <a:t>Click to edit Master text styles</a:t>
             </a:r>
           </a:p>
           <a:p>
             <a:pPr lvl="1"/>
             <a:r>
-              <a:rPr lang="en-US" smtClean="0"/>
+              <a:rPr lang="en-US"/>
               <a:t>Second level</a:t>
             </a:r>
           </a:p>
           <a:p>
             <a:pPr lvl="2"/>
             <a:r>
-              <a:rPr lang="en-US" smtClean="0"/>
+              <a:rPr lang="en-US"/>
               <a:t>Third level</a:t>
             </a:r>
           </a:p>
           <a:p>
             <a:pPr lvl="3"/>
             <a:r>
-              <a:rPr lang="en-US" smtClean="0"/>
+              <a:rPr lang="en-US"/>
               <a:t>Fourth level</a:t>
             </a:r>
           </a:p>
           <a:p>
             <a:pPr lvl="4"/>
             <a:r>
-              <a:rPr lang="en-US" smtClean="0"/>
+              <a:rPr lang="en-US"/>
               <a:t>Fifth level</a:t>
             </a:r>
-            <a:endParaRPr lang="en-US"/>
           </a:p>
         </p:txBody>
       </p:sp>
@@ -515,10 +793,9 @@
           </a:lstStyle>
           <a:p>
             <a:r>
-              <a:rPr lang="en-US" smtClean="0"/>
+              <a:rPr lang="en-US"/>
               <a:t>Click to edit Master title style</a:t>
             </a:r>
-            <a:endParaRPr lang="en-US"/>
           </a:p>
         </p:txBody>
       </p:sp>
@@ -580,10 +857,9 @@
           </a:lstStyle>
           <a:p>
             <a:r>
-              <a:rPr lang="en-US" smtClean="0"/>
+              <a:rPr lang="en-US"/>
               <a:t>Click to edit Master subtitle style</a:t>
             </a:r>
-            <a:endParaRPr lang="en-US"/>
           </a:p>
         </p:txBody>
       </p:sp>
@@ -604,7 +880,7 @@
           <a:p>
             <a:fld id="{6D277FA9-324E-4733-B95C-0A8CDB8004AF}" type="datetimeFigureOut">
               <a:rPr lang="en-US" smtClean="0"/>
-              <a:t>12/21/2016</a:t>
+              <a:t>4/2/2018</a:t>
             </a:fld>
             <a:endParaRPr lang="en-US"/>
           </a:p>
@@ -698,10 +974,9 @@
           <a:lstStyle/>
           <a:p>
             <a:r>
-              <a:rPr lang="en-US" smtClean="0"/>
+              <a:rPr lang="en-US"/>
               <a:t>Click to edit Master title style</a:t>
             </a:r>
-            <a:endParaRPr lang="en-US"/>
           </a:p>
         </p:txBody>
       </p:sp>
@@ -722,38 +997,37 @@
           <a:p>
             <a:pPr lvl="0"/>
             <a:r>
-              <a:rPr lang="en-US" smtClean="0"/>
+              <a:rPr lang="en-US"/>
               <a:t>Click to edit Master text styles</a:t>
             </a:r>
           </a:p>
           <a:p>
             <a:pPr lvl="1"/>
             <a:r>
-              <a:rPr lang="en-US" smtClean="0"/>
+              <a:rPr lang="en-US"/>
               <a:t>Second level</a:t>
             </a:r>
           </a:p>
           <a:p>
             <a:pPr lvl="2"/>
             <a:r>
-              <a:rPr lang="en-US" smtClean="0"/>
+              <a:rPr lang="en-US"/>
               <a:t>Third level</a:t>
             </a:r>
           </a:p>
           <a:p>
             <a:pPr lvl="3"/>
             <a:r>
-              <a:rPr lang="en-US" smtClean="0"/>
+              <a:rPr lang="en-US"/>
               <a:t>Fourth level</a:t>
             </a:r>
           </a:p>
           <a:p>
             <a:pPr lvl="4"/>
             <a:r>
-              <a:rPr lang="en-US" smtClean="0"/>
+              <a:rPr lang="en-US"/>
               <a:t>Fifth level</a:t>
             </a:r>
-            <a:endParaRPr lang="en-US"/>
           </a:p>
         </p:txBody>
       </p:sp>
@@ -774,7 +1048,7 @@
           <a:p>
             <a:fld id="{6D277FA9-324E-4733-B95C-0A8CDB8004AF}" type="datetimeFigureOut">
               <a:rPr lang="en-US" smtClean="0"/>
-              <a:t>12/21/2016</a:t>
+              <a:t>4/2/2018</a:t>
             </a:fld>
             <a:endParaRPr lang="en-US"/>
           </a:p>
@@ -873,10 +1147,9 @@
           <a:lstStyle/>
           <a:p>
             <a:r>
-              <a:rPr lang="en-US" smtClean="0"/>
+              <a:rPr lang="en-US"/>
               <a:t>Click to edit Master title style</a:t>
             </a:r>
-            <a:endParaRPr lang="en-US"/>
           </a:p>
         </p:txBody>
       </p:sp>
@@ -902,38 +1175,37 @@
           <a:p>
             <a:pPr lvl="0"/>
             <a:r>
-              <a:rPr lang="en-US" smtClean="0"/>
+              <a:rPr lang="en-US"/>
               <a:t>Click to edit Master text styles</a:t>
             </a:r>
           </a:p>
           <a:p>
             <a:pPr lvl="1"/>
             <a:r>
-              <a:rPr lang="en-US" smtClean="0"/>
+              <a:rPr lang="en-US"/>
               <a:t>Second level</a:t>
             </a:r>
           </a:p>
           <a:p>
             <a:pPr lvl="2"/>
             <a:r>
-              <a:rPr lang="en-US" smtClean="0"/>
+              <a:rPr lang="en-US"/>
               <a:t>Third level</a:t>
             </a:r>
           </a:p>
           <a:p>
             <a:pPr lvl="3"/>
             <a:r>
-              <a:rPr lang="en-US" smtClean="0"/>
+              <a:rPr lang="en-US"/>
               <a:t>Fourth level</a:t>
             </a:r>
           </a:p>
           <a:p>
             <a:pPr lvl="4"/>
             <a:r>
-              <a:rPr lang="en-US" smtClean="0"/>
+              <a:rPr lang="en-US"/>
               <a:t>Fifth level</a:t>
             </a:r>
-            <a:endParaRPr lang="en-US"/>
           </a:p>
         </p:txBody>
       </p:sp>
@@ -954,7 +1226,7 @@
           <a:p>
             <a:fld id="{6D277FA9-324E-4733-B95C-0A8CDB8004AF}" type="datetimeFigureOut">
               <a:rPr lang="en-US" smtClean="0"/>
-              <a:t>12/21/2016</a:t>
+              <a:t>4/2/2018</a:t>
             </a:fld>
             <a:endParaRPr lang="en-US"/>
           </a:p>
@@ -1048,10 +1320,9 @@
           <a:lstStyle/>
           <a:p>
             <a:r>
-              <a:rPr lang="en-US" smtClean="0"/>
+              <a:rPr lang="en-US"/>
               <a:t>Click to edit Master title style</a:t>
             </a:r>
-            <a:endParaRPr lang="en-US"/>
           </a:p>
         </p:txBody>
       </p:sp>
@@ -1072,38 +1343,37 @@
           <a:p>
             <a:pPr lvl="0"/>
             <a:r>
-              <a:rPr lang="en-US" smtClean="0"/>
+              <a:rPr lang="en-US"/>
               <a:t>Click to edit Master text styles</a:t>
             </a:r>
           </a:p>
           <a:p>
             <a:pPr lvl="1"/>
             <a:r>
-              <a:rPr lang="en-US" smtClean="0"/>
+              <a:rPr lang="en-US"/>
               <a:t>Second level</a:t>
             </a:r>
           </a:p>
           <a:p>
             <a:pPr lvl="2"/>
             <a:r>
-              <a:rPr lang="en-US" smtClean="0"/>
+              <a:rPr lang="en-US"/>
               <a:t>Third level</a:t>
             </a:r>
           </a:p>
           <a:p>
             <a:pPr lvl="3"/>
             <a:r>
-              <a:rPr lang="en-US" smtClean="0"/>
+              <a:rPr lang="en-US"/>
               <a:t>Fourth level</a:t>
             </a:r>
           </a:p>
           <a:p>
             <a:pPr lvl="4"/>
             <a:r>
-              <a:rPr lang="en-US" smtClean="0"/>
+              <a:rPr lang="en-US"/>
               <a:t>Fifth level</a:t>
             </a:r>
-            <a:endParaRPr lang="en-US"/>
           </a:p>
         </p:txBody>
       </p:sp>
@@ -1124,7 +1394,7 @@
           <a:p>
             <a:fld id="{6D277FA9-324E-4733-B95C-0A8CDB8004AF}" type="datetimeFigureOut">
               <a:rPr lang="en-US" smtClean="0"/>
-              <a:t>12/21/2016</a:t>
+              <a:t>4/2/2018</a:t>
             </a:fld>
             <a:endParaRPr lang="en-US"/>
           </a:p>
@@ -1227,10 +1497,9 @@
           </a:lstStyle>
           <a:p>
             <a:r>
-              <a:rPr lang="en-US" smtClean="0"/>
+              <a:rPr lang="en-US"/>
               <a:t>Click to edit Master title style</a:t>
             </a:r>
-            <a:endParaRPr lang="en-US"/>
           </a:p>
         </p:txBody>
       </p:sp>
@@ -1347,7 +1616,7 @@
           <a:p>
             <a:pPr lvl="0"/>
             <a:r>
-              <a:rPr lang="en-US" smtClean="0"/>
+              <a:rPr lang="en-US"/>
               <a:t>Click to edit Master text styles</a:t>
             </a:r>
           </a:p>
@@ -1370,7 +1639,7 @@
           <a:p>
             <a:fld id="{6D277FA9-324E-4733-B95C-0A8CDB8004AF}" type="datetimeFigureOut">
               <a:rPr lang="en-US" smtClean="0"/>
-              <a:t>12/21/2016</a:t>
+              <a:t>4/2/2018</a:t>
             </a:fld>
             <a:endParaRPr lang="en-US"/>
           </a:p>
@@ -1464,10 +1733,9 @@
           <a:lstStyle/>
           <a:p>
             <a:r>
-              <a:rPr lang="en-US" smtClean="0"/>
+              <a:rPr lang="en-US"/>
               <a:t>Click to edit Master title style</a:t>
             </a:r>
-            <a:endParaRPr lang="en-US"/>
           </a:p>
         </p:txBody>
       </p:sp>
@@ -1493,38 +1761,37 @@
           <a:p>
             <a:pPr lvl="0"/>
             <a:r>
-              <a:rPr lang="en-US" smtClean="0"/>
+              <a:rPr lang="en-US"/>
               <a:t>Click to edit Master text styles</a:t>
             </a:r>
           </a:p>
           <a:p>
             <a:pPr lvl="1"/>
             <a:r>
-              <a:rPr lang="en-US" smtClean="0"/>
+              <a:rPr lang="en-US"/>
               <a:t>Second level</a:t>
             </a:r>
           </a:p>
           <a:p>
             <a:pPr lvl="2"/>
             <a:r>
-              <a:rPr lang="en-US" smtClean="0"/>
+              <a:rPr lang="en-US"/>
               <a:t>Third level</a:t>
             </a:r>
           </a:p>
           <a:p>
             <a:pPr lvl="3"/>
             <a:r>
-              <a:rPr lang="en-US" smtClean="0"/>
+              <a:rPr lang="en-US"/>
               <a:t>Fourth level</a:t>
             </a:r>
           </a:p>
           <a:p>
             <a:pPr lvl="4"/>
             <a:r>
-              <a:rPr lang="en-US" smtClean="0"/>
+              <a:rPr lang="en-US"/>
               <a:t>Fifth level</a:t>
             </a:r>
-            <a:endParaRPr lang="en-US"/>
           </a:p>
         </p:txBody>
       </p:sp>
@@ -1550,38 +1817,37 @@
           <a:p>
             <a:pPr lvl="0"/>
             <a:r>
-              <a:rPr lang="en-US" smtClean="0"/>
+              <a:rPr lang="en-US"/>
               <a:t>Click to edit Master text styles</a:t>
             </a:r>
           </a:p>
           <a:p>
             <a:pPr lvl="1"/>
             <a:r>
-              <a:rPr lang="en-US" smtClean="0"/>
+              <a:rPr lang="en-US"/>
               <a:t>Second level</a:t>
             </a:r>
           </a:p>
           <a:p>
             <a:pPr lvl="2"/>
             <a:r>
-              <a:rPr lang="en-US" smtClean="0"/>
+              <a:rPr lang="en-US"/>
               <a:t>Third level</a:t>
             </a:r>
           </a:p>
           <a:p>
             <a:pPr lvl="3"/>
             <a:r>
-              <a:rPr lang="en-US" smtClean="0"/>
+              <a:rPr lang="en-US"/>
               <a:t>Fourth level</a:t>
             </a:r>
           </a:p>
           <a:p>
             <a:pPr lvl="4"/>
             <a:r>
-              <a:rPr lang="en-US" smtClean="0"/>
+              <a:rPr lang="en-US"/>
               <a:t>Fifth level</a:t>
             </a:r>
-            <a:endParaRPr lang="en-US"/>
           </a:p>
         </p:txBody>
       </p:sp>
@@ -1602,7 +1868,7 @@
           <a:p>
             <a:fld id="{6D277FA9-324E-4733-B95C-0A8CDB8004AF}" type="datetimeFigureOut">
               <a:rPr lang="en-US" smtClean="0"/>
-              <a:t>12/21/2016</a:t>
+              <a:t>4/2/2018</a:t>
             </a:fld>
             <a:endParaRPr lang="en-US"/>
           </a:p>
@@ -1701,10 +1967,9 @@
           <a:lstStyle/>
           <a:p>
             <a:r>
-              <a:rPr lang="en-US" smtClean="0"/>
+              <a:rPr lang="en-US"/>
               <a:t>Click to edit Master title style</a:t>
             </a:r>
-            <a:endParaRPr lang="en-US"/>
           </a:p>
         </p:txBody>
       </p:sp>
@@ -1767,7 +2032,7 @@
           <a:p>
             <a:pPr lvl="0"/>
             <a:r>
-              <a:rPr lang="en-US" smtClean="0"/>
+              <a:rPr lang="en-US"/>
               <a:t>Click to edit Master text styles</a:t>
             </a:r>
           </a:p>
@@ -1795,38 +2060,37 @@
           <a:p>
             <a:pPr lvl="0"/>
             <a:r>
-              <a:rPr lang="en-US" smtClean="0"/>
+              <a:rPr lang="en-US"/>
               <a:t>Click to edit Master text styles</a:t>
             </a:r>
           </a:p>
           <a:p>
             <a:pPr lvl="1"/>
             <a:r>
-              <a:rPr lang="en-US" smtClean="0"/>
+              <a:rPr lang="en-US"/>
               <a:t>Second level</a:t>
             </a:r>
           </a:p>
           <a:p>
             <a:pPr lvl="2"/>
             <a:r>
-              <a:rPr lang="en-US" smtClean="0"/>
+              <a:rPr lang="en-US"/>
               <a:t>Third level</a:t>
             </a:r>
           </a:p>
           <a:p>
             <a:pPr lvl="3"/>
             <a:r>
-              <a:rPr lang="en-US" smtClean="0"/>
+              <a:rPr lang="en-US"/>
               <a:t>Fourth level</a:t>
             </a:r>
           </a:p>
           <a:p>
             <a:pPr lvl="4"/>
             <a:r>
-              <a:rPr lang="en-US" smtClean="0"/>
+              <a:rPr lang="en-US"/>
               <a:t>Fifth level</a:t>
             </a:r>
-            <a:endParaRPr lang="en-US"/>
           </a:p>
         </p:txBody>
       </p:sp>
@@ -1889,7 +2153,7 @@
           <a:p>
             <a:pPr lvl="0"/>
             <a:r>
-              <a:rPr lang="en-US" smtClean="0"/>
+              <a:rPr lang="en-US"/>
               <a:t>Click to edit Master text styles</a:t>
             </a:r>
           </a:p>
@@ -1917,38 +2181,37 @@
           <a:p>
             <a:pPr lvl="0"/>
             <a:r>
-              <a:rPr lang="en-US" smtClean="0"/>
+              <a:rPr lang="en-US"/>
               <a:t>Click to edit Master text styles</a:t>
             </a:r>
           </a:p>
           <a:p>
             <a:pPr lvl="1"/>
             <a:r>
-              <a:rPr lang="en-US" smtClean="0"/>
+              <a:rPr lang="en-US"/>
               <a:t>Second level</a:t>
             </a:r>
           </a:p>
           <a:p>
             <a:pPr lvl="2"/>
             <a:r>
-              <a:rPr lang="en-US" smtClean="0"/>
+              <a:rPr lang="en-US"/>
               <a:t>Third level</a:t>
             </a:r>
           </a:p>
           <a:p>
             <a:pPr lvl="3"/>
             <a:r>
-              <a:rPr lang="en-US" smtClean="0"/>
+              <a:rPr lang="en-US"/>
               <a:t>Fourth level</a:t>
             </a:r>
           </a:p>
           <a:p>
             <a:pPr lvl="4"/>
             <a:r>
-              <a:rPr lang="en-US" smtClean="0"/>
+              <a:rPr lang="en-US"/>
               <a:t>Fifth level</a:t>
             </a:r>
-            <a:endParaRPr lang="en-US"/>
           </a:p>
         </p:txBody>
       </p:sp>
@@ -1969,7 +2232,7 @@
           <a:p>
             <a:fld id="{6D277FA9-324E-4733-B95C-0A8CDB8004AF}" type="datetimeFigureOut">
               <a:rPr lang="en-US" smtClean="0"/>
-              <a:t>12/21/2016</a:t>
+              <a:t>4/2/2018</a:t>
             </a:fld>
             <a:endParaRPr lang="en-US"/>
           </a:p>
@@ -2063,10 +2326,9 @@
           <a:lstStyle/>
           <a:p>
             <a:r>
-              <a:rPr lang="en-US" smtClean="0"/>
+              <a:rPr lang="en-US"/>
               <a:t>Click to edit Master title style</a:t>
             </a:r>
-            <a:endParaRPr lang="en-US"/>
           </a:p>
         </p:txBody>
       </p:sp>
@@ -2087,7 +2349,7 @@
           <a:p>
             <a:fld id="{6D277FA9-324E-4733-B95C-0A8CDB8004AF}" type="datetimeFigureOut">
               <a:rPr lang="en-US" smtClean="0"/>
-              <a:t>12/21/2016</a:t>
+              <a:t>4/2/2018</a:t>
             </a:fld>
             <a:endParaRPr lang="en-US"/>
           </a:p>
@@ -2182,7 +2444,7 @@
           <a:p>
             <a:fld id="{6D277FA9-324E-4733-B95C-0A8CDB8004AF}" type="datetimeFigureOut">
               <a:rPr lang="en-US" smtClean="0"/>
-              <a:t>12/21/2016</a:t>
+              <a:t>4/2/2018</a:t>
             </a:fld>
             <a:endParaRPr lang="en-US"/>
           </a:p>
@@ -2285,10 +2547,9 @@
           </a:lstStyle>
           <a:p>
             <a:r>
-              <a:rPr lang="en-US" smtClean="0"/>
+              <a:rPr lang="en-US"/>
               <a:t>Click to edit Master title style</a:t>
             </a:r>
-            <a:endParaRPr lang="en-US"/>
           </a:p>
         </p:txBody>
       </p:sp>
@@ -2342,38 +2603,37 @@
           <a:p>
             <a:pPr lvl="0"/>
             <a:r>
-              <a:rPr lang="en-US" smtClean="0"/>
+              <a:rPr lang="en-US"/>
               <a:t>Click to edit Master text styles</a:t>
             </a:r>
           </a:p>
           <a:p>
             <a:pPr lvl="1"/>
             <a:r>
-              <a:rPr lang="en-US" smtClean="0"/>
+              <a:rPr lang="en-US"/>
               <a:t>Second level</a:t>
             </a:r>
           </a:p>
           <a:p>
             <a:pPr lvl="2"/>
             <a:r>
-              <a:rPr lang="en-US" smtClean="0"/>
+              <a:rPr lang="en-US"/>
               <a:t>Third level</a:t>
             </a:r>
           </a:p>
           <a:p>
             <a:pPr lvl="3"/>
             <a:r>
-              <a:rPr lang="en-US" smtClean="0"/>
+              <a:rPr lang="en-US"/>
               <a:t>Fourth level</a:t>
             </a:r>
           </a:p>
           <a:p>
             <a:pPr lvl="4"/>
             <a:r>
-              <a:rPr lang="en-US" smtClean="0"/>
+              <a:rPr lang="en-US"/>
               <a:t>Fifth level</a:t>
             </a:r>
-            <a:endParaRPr lang="en-US"/>
           </a:p>
         </p:txBody>
       </p:sp>
@@ -2436,7 +2696,7 @@
           <a:p>
             <a:pPr lvl="0"/>
             <a:r>
-              <a:rPr lang="en-US" smtClean="0"/>
+              <a:rPr lang="en-US"/>
               <a:t>Click to edit Master text styles</a:t>
             </a:r>
           </a:p>
@@ -2459,7 +2719,7 @@
           <a:p>
             <a:fld id="{6D277FA9-324E-4733-B95C-0A8CDB8004AF}" type="datetimeFigureOut">
               <a:rPr lang="en-US" smtClean="0"/>
-              <a:t>12/21/2016</a:t>
+              <a:t>4/2/2018</a:t>
             </a:fld>
             <a:endParaRPr lang="en-US"/>
           </a:p>
@@ -2562,10 +2822,9 @@
           </a:lstStyle>
           <a:p>
             <a:r>
-              <a:rPr lang="en-US" smtClean="0"/>
+              <a:rPr lang="en-US"/>
               <a:t>Click to edit Master title style</a:t>
             </a:r>
-            <a:endParaRPr lang="en-US"/>
           </a:p>
         </p:txBody>
       </p:sp>
@@ -2689,7 +2948,7 @@
           <a:p>
             <a:pPr lvl="0"/>
             <a:r>
-              <a:rPr lang="en-US" smtClean="0"/>
+              <a:rPr lang="en-US"/>
               <a:t>Click to edit Master text styles</a:t>
             </a:r>
           </a:p>
@@ -2712,7 +2971,7 @@
           <a:p>
             <a:fld id="{6D277FA9-324E-4733-B95C-0A8CDB8004AF}" type="datetimeFigureOut">
               <a:rPr lang="en-US" smtClean="0"/>
-              <a:t>12/21/2016</a:t>
+              <a:t>4/2/2018</a:t>
             </a:fld>
             <a:endParaRPr lang="en-US"/>
           </a:p>
@@ -2831,10 +3090,9 @@
           <a:lstStyle/>
           <a:p>
             <a:r>
-              <a:rPr lang="en-US" smtClean="0"/>
+              <a:rPr lang="en-US"/>
               <a:t>Click to edit Master title style</a:t>
             </a:r>
-            <a:endParaRPr lang="en-US"/>
           </a:p>
         </p:txBody>
       </p:sp>
@@ -2865,38 +3123,37 @@
           <a:p>
             <a:pPr lvl="0"/>
             <a:r>
-              <a:rPr lang="en-US" smtClean="0"/>
+              <a:rPr lang="en-US"/>
               <a:t>Click to edit Master text styles</a:t>
             </a:r>
           </a:p>
           <a:p>
             <a:pPr lvl="1"/>
             <a:r>
-              <a:rPr lang="en-US" smtClean="0"/>
+              <a:rPr lang="en-US"/>
               <a:t>Second level</a:t>
             </a:r>
           </a:p>
           <a:p>
             <a:pPr lvl="2"/>
             <a:r>
-              <a:rPr lang="en-US" smtClean="0"/>
+              <a:rPr lang="en-US"/>
               <a:t>Third level</a:t>
             </a:r>
           </a:p>
           <a:p>
             <a:pPr lvl="3"/>
             <a:r>
-              <a:rPr lang="en-US" smtClean="0"/>
+              <a:rPr lang="en-US"/>
               <a:t>Fourth level</a:t>
             </a:r>
           </a:p>
           <a:p>
             <a:pPr lvl="4"/>
             <a:r>
-              <a:rPr lang="en-US" smtClean="0"/>
+              <a:rPr lang="en-US"/>
               <a:t>Fifth level</a:t>
             </a:r>
-            <a:endParaRPr lang="en-US"/>
           </a:p>
         </p:txBody>
       </p:sp>
@@ -2935,7 +3192,7 @@
           <a:p>
             <a:fld id="{6D277FA9-324E-4733-B95C-0A8CDB8004AF}" type="datetimeFigureOut">
               <a:rPr lang="en-US" smtClean="0"/>
-              <a:t>12/21/2016</a:t>
+              <a:t>4/2/2018</a:t>
             </a:fld>
             <a:endParaRPr lang="en-US"/>
           </a:p>
@@ -3373,16 +3630,12 @@
           <a:lstStyle/>
           <a:p>
             <a:r>
-              <a:rPr lang="en-US" sz="7200" dirty="0" smtClean="0">
+              <a:rPr lang="en-US" sz="7200" dirty="0">
                 <a:latin typeface="Aharoni" panose="02010803020104030203" pitchFamily="2" charset="-79"/>
                 <a:cs typeface="Aharoni" panose="02010803020104030203" pitchFamily="2" charset="-79"/>
               </a:rPr>
               <a:t>Rock and Roll outside the West</a:t>
             </a:r>
-            <a:endParaRPr lang="en-US" sz="7200" dirty="0">
-              <a:latin typeface="Aharoni" panose="02010803020104030203" pitchFamily="2" charset="-79"/>
-              <a:cs typeface="Aharoni" panose="02010803020104030203" pitchFamily="2" charset="-79"/>
-            </a:endParaRPr>
           </a:p>
         </p:txBody>
       </p:sp>
@@ -3404,16 +3657,12 @@
           <a:lstStyle/>
           <a:p>
             <a:r>
-              <a:rPr lang="en-US" sz="6000" dirty="0" smtClean="0">
+              <a:rPr lang="en-US" sz="6000" dirty="0">
                 <a:latin typeface="Aharoni" panose="02010803020104030203" pitchFamily="2" charset="-79"/>
                 <a:cs typeface="Aharoni" panose="02010803020104030203" pitchFamily="2" charset="-79"/>
               </a:rPr>
               <a:t>A Belated effort</a:t>
             </a:r>
-            <a:endParaRPr lang="en-US" sz="6000" dirty="0">
-              <a:latin typeface="Aharoni" panose="02010803020104030203" pitchFamily="2" charset="-79"/>
-              <a:cs typeface="Aharoni" panose="02010803020104030203" pitchFamily="2" charset="-79"/>
-            </a:endParaRPr>
           </a:p>
         </p:txBody>
       </p:sp>
@@ -3427,13 +3676,1164 @@
   <p:clrMapOvr>
     <a:masterClrMapping/>
   </p:clrMapOvr>
-  <p:timing>
-    <p:tnLst>
-      <p:par>
-        <p:cTn id="1" dur="indefinite" restart="never" nodeType="tmRoot"/>
-      </p:par>
-    </p:tnLst>
-  </p:timing>
+</p:sld>
+</file>
+
+<file path=ppt/slides/slide10.xml><?xml version="1.0" encoding="utf-8"?>
+<p:sld xmlns:a="http://schemas.openxmlformats.org/drawingml/2006/main" xmlns:r="http://schemas.openxmlformats.org/officeDocument/2006/relationships" xmlns:p="http://schemas.openxmlformats.org/presentationml/2006/main">
+  <p:cSld>
+    <p:bg>
+      <p:bgPr>
+        <a:solidFill>
+          <a:schemeClr val="bg1"/>
+        </a:solidFill>
+        <a:effectLst/>
+      </p:bgPr>
+    </p:bg>
+    <p:spTree>
+      <p:nvGrpSpPr>
+        <p:cNvPr id="1" name=""/>
+        <p:cNvGrpSpPr/>
+        <p:nvPr/>
+      </p:nvGrpSpPr>
+      <p:grpSpPr>
+        <a:xfrm>
+          <a:off x="0" y="0"/>
+          <a:ext cx="0" cy="0"/>
+          <a:chOff x="0" y="0"/>
+          <a:chExt cx="0" cy="0"/>
+        </a:xfrm>
+      </p:grpSpPr>
+      <p:sp>
+        <p:nvSpPr>
+          <p:cNvPr id="11" name="Rectangle 9">
+            <a:extLst>
+              <a:ext uri="{FF2B5EF4-FFF2-40B4-BE49-F238E27FC236}">
+                <a16:creationId xmlns:a16="http://schemas.microsoft.com/office/drawing/2014/main" id="{C5E6CFF1-2F42-4E10-9A97-F116F46F53FE}"/>
+              </a:ext>
+            </a:extLst>
+          </p:cNvPr>
+          <p:cNvSpPr>
+            <a:spLocks noGrp="1" noRot="1" noChangeAspect="1" noMove="1" noResize="1" noEditPoints="1" noAdjustHandles="1" noChangeArrowheads="1" noChangeShapeType="1" noTextEdit="1"/>
+          </p:cNvSpPr>
+          <p:nvPr>
+            <p:extLst>
+              <p:ext uri="{386F3935-93C4-4BCD-93E2-E3B085C9AB24}">
+                <p16:designElem xmlns:p16="http://schemas.microsoft.com/office/powerpoint/2015/main" val="1"/>
+              </p:ext>
+            </p:extLst>
+          </p:nvPr>
+        </p:nvSpPr>
+        <p:spPr>
+          <a:xfrm>
+            <a:off x="0" y="0"/>
+            <a:ext cx="12192000" cy="6858000"/>
+          </a:xfrm>
+          <a:prstGeom prst="rect">
+            <a:avLst/>
+          </a:prstGeom>
+          <a:solidFill>
+            <a:srgbClr val="000000"/>
+          </a:solidFill>
+          <a:ln>
+            <a:noFill/>
+          </a:ln>
+        </p:spPr>
+        <p:style>
+          <a:lnRef idx="2">
+            <a:schemeClr val="accent1">
+              <a:shade val="50000"/>
+            </a:schemeClr>
+          </a:lnRef>
+          <a:fillRef idx="1">
+            <a:schemeClr val="accent1"/>
+          </a:fillRef>
+          <a:effectRef idx="0">
+            <a:schemeClr val="accent1"/>
+          </a:effectRef>
+          <a:fontRef idx="minor">
+            <a:schemeClr val="lt1"/>
+          </a:fontRef>
+        </p:style>
+        <p:txBody>
+          <a:bodyPr rtlCol="0" anchor="ctr"/>
+          <a:lstStyle/>
+          <a:p>
+            <a:pPr algn="ctr"/>
+            <a:endParaRPr lang="en-US"/>
+          </a:p>
+        </p:txBody>
+      </p:sp>
+      <p:pic>
+        <p:nvPicPr>
+          <p:cNvPr id="5" name="Picture 4" descr="A group of people posing for a photo&#10;&#10;Description generated with very high confidence">
+            <a:extLst>
+              <a:ext uri="{FF2B5EF4-FFF2-40B4-BE49-F238E27FC236}">
+                <a16:creationId xmlns:a16="http://schemas.microsoft.com/office/drawing/2014/main" id="{F6585714-6D18-42BB-9398-42174DB7FB5F}"/>
+              </a:ext>
+            </a:extLst>
+          </p:cNvPr>
+          <p:cNvPicPr>
+            <a:picLocks noChangeAspect="1"/>
+          </p:cNvPicPr>
+          <p:nvPr/>
+        </p:nvPicPr>
+        <p:blipFill rotWithShape="1">
+          <a:blip r:embed="rId2">
+            <a:alphaModFix amt="35000"/>
+            <a:extLst>
+              <a:ext uri="{28A0092B-C50C-407E-A947-70E740481C1C}">
+                <a14:useLocalDpi xmlns:a14="http://schemas.microsoft.com/office/drawing/2010/main" val="0"/>
+              </a:ext>
+            </a:extLst>
+          </a:blip>
+          <a:srcRect l="3164" r="7947"/>
+          <a:stretch/>
+        </p:blipFill>
+        <p:spPr>
+          <a:xfrm>
+            <a:off x="20" y="1"/>
+            <a:ext cx="12191980" cy="6857999"/>
+          </a:xfrm>
+          <a:prstGeom prst="rect">
+            <a:avLst/>
+          </a:prstGeom>
+        </p:spPr>
+      </p:pic>
+      <p:cxnSp>
+        <p:nvCxnSpPr>
+          <p:cNvPr id="13" name="Straight Connector 11">
+            <a:extLst>
+              <a:ext uri="{FF2B5EF4-FFF2-40B4-BE49-F238E27FC236}">
+                <a16:creationId xmlns:a16="http://schemas.microsoft.com/office/drawing/2014/main" id="{67182200-4859-4C8D-BCBB-55B245C28BA3}"/>
+              </a:ext>
+            </a:extLst>
+          </p:cNvPr>
+          <p:cNvCxnSpPr>
+            <a:cxnSpLocks noGrp="1" noRot="1" noChangeAspect="1" noMove="1" noResize="1" noEditPoints="1" noAdjustHandles="1" noChangeArrowheads="1" noChangeShapeType="1"/>
+          </p:cNvCxnSpPr>
+          <p:nvPr>
+            <p:extLst>
+              <p:ext uri="{386F3935-93C4-4BCD-93E2-E3B085C9AB24}">
+                <p16:designElem xmlns:p16="http://schemas.microsoft.com/office/powerpoint/2015/main" val="1"/>
+              </p:ext>
+            </p:extLst>
+          </p:nvPr>
+        </p:nvCxnSpPr>
+        <p:spPr>
+          <a:xfrm>
+            <a:off x="4653372" y="2286000"/>
+            <a:ext cx="0" cy="2286000"/>
+          </a:xfrm>
+          <a:prstGeom prst="line">
+            <a:avLst/>
+          </a:prstGeom>
+          <a:ln w="15875">
+            <a:solidFill>
+              <a:srgbClr val="FFFFFF"/>
+            </a:solidFill>
+          </a:ln>
+        </p:spPr>
+        <p:style>
+          <a:lnRef idx="1">
+            <a:schemeClr val="accent1"/>
+          </a:lnRef>
+          <a:fillRef idx="0">
+            <a:schemeClr val="accent1"/>
+          </a:fillRef>
+          <a:effectRef idx="0">
+            <a:schemeClr val="accent1"/>
+          </a:effectRef>
+          <a:fontRef idx="minor">
+            <a:schemeClr val="tx1"/>
+          </a:fontRef>
+        </p:style>
+      </p:cxnSp>
+      <p:sp>
+        <p:nvSpPr>
+          <p:cNvPr id="2" name="Title 1">
+            <a:extLst>
+              <a:ext uri="{FF2B5EF4-FFF2-40B4-BE49-F238E27FC236}">
+                <a16:creationId xmlns:a16="http://schemas.microsoft.com/office/drawing/2014/main" id="{1665117F-FB0E-4061-AE8E-995A707A41DA}"/>
+              </a:ext>
+            </a:extLst>
+          </p:cNvPr>
+          <p:cNvSpPr>
+            <a:spLocks noGrp="1"/>
+          </p:cNvSpPr>
+          <p:nvPr>
+            <p:ph type="title"/>
+          </p:nvPr>
+        </p:nvSpPr>
+        <p:spPr>
+          <a:xfrm>
+            <a:off x="838201" y="1065862"/>
+            <a:ext cx="3313164" cy="4726276"/>
+          </a:xfrm>
+        </p:spPr>
+        <p:txBody>
+          <a:bodyPr>
+            <a:normAutofit/>
+          </a:bodyPr>
+          <a:lstStyle/>
+          <a:p>
+            <a:pPr algn="r"/>
+            <a:r>
+              <a:rPr lang="en-CA" sz="4000" b="1" dirty="0">
+                <a:solidFill>
+                  <a:srgbClr val="FFFFFF"/>
+                </a:solidFill>
+              </a:rPr>
+              <a:t>The Tragically Hip, 1984 to present</a:t>
+            </a:r>
+          </a:p>
+        </p:txBody>
+      </p:sp>
+      <p:sp>
+        <p:nvSpPr>
+          <p:cNvPr id="3" name="Content Placeholder 2">
+            <a:extLst>
+              <a:ext uri="{FF2B5EF4-FFF2-40B4-BE49-F238E27FC236}">
+                <a16:creationId xmlns:a16="http://schemas.microsoft.com/office/drawing/2014/main" id="{6F7F9A11-EE68-4932-B2B4-EBCC270188A3}"/>
+              </a:ext>
+            </a:extLst>
+          </p:cNvPr>
+          <p:cNvSpPr>
+            <a:spLocks noGrp="1"/>
+          </p:cNvSpPr>
+          <p:nvPr>
+            <p:ph idx="1"/>
+          </p:nvPr>
+        </p:nvSpPr>
+        <p:spPr>
+          <a:xfrm>
+            <a:off x="5155379" y="1065862"/>
+            <a:ext cx="5744685" cy="4726276"/>
+          </a:xfrm>
+        </p:spPr>
+        <p:txBody>
+          <a:bodyPr anchor="ctr">
+            <a:normAutofit/>
+          </a:bodyPr>
+          <a:lstStyle/>
+          <a:p>
+            <a:r>
+              <a:rPr lang="en-CA" sz="2000" dirty="0" err="1">
+                <a:solidFill>
+                  <a:srgbClr val="FFFFFF"/>
+                </a:solidFill>
+              </a:rPr>
+              <a:t>Gord</a:t>
+            </a:r>
+            <a:r>
+              <a:rPr lang="en-CA" sz="2000" dirty="0">
+                <a:solidFill>
+                  <a:srgbClr val="FFFFFF"/>
+                </a:solidFill>
+              </a:rPr>
+              <a:t> </a:t>
+            </a:r>
+            <a:r>
+              <a:rPr lang="en-CA" sz="2000" dirty="0" err="1">
+                <a:solidFill>
+                  <a:srgbClr val="FFFFFF"/>
+                </a:solidFill>
+              </a:rPr>
+              <a:t>Downie</a:t>
+            </a:r>
+            <a:r>
+              <a:rPr lang="en-CA" sz="2000" dirty="0">
+                <a:solidFill>
+                  <a:srgbClr val="FFFFFF"/>
+                </a:solidFill>
+              </a:rPr>
+              <a:t> (vocals), </a:t>
+            </a:r>
+            <a:r>
+              <a:rPr lang="en-US" sz="2000" dirty="0">
+                <a:solidFill>
+                  <a:srgbClr val="FFFFFF"/>
+                </a:solidFill>
+              </a:rPr>
+              <a:t>February 6, 1964 – October 17, 2017</a:t>
+            </a:r>
+            <a:endParaRPr lang="en-CA" sz="2000" dirty="0">
+              <a:solidFill>
+                <a:srgbClr val="FFFFFF"/>
+              </a:solidFill>
+            </a:endParaRPr>
+          </a:p>
+          <a:p>
+            <a:r>
+              <a:rPr lang="en-CA" sz="2000" dirty="0">
+                <a:solidFill>
+                  <a:srgbClr val="FFFFFF"/>
+                </a:solidFill>
+              </a:rPr>
+              <a:t>Paul Langlois (guitar) </a:t>
+            </a:r>
+          </a:p>
+          <a:p>
+            <a:r>
+              <a:rPr lang="en-CA" sz="2000" dirty="0">
+                <a:solidFill>
+                  <a:srgbClr val="FFFFFF"/>
+                </a:solidFill>
+              </a:rPr>
+              <a:t>Rob Baker (guitar)</a:t>
+            </a:r>
+          </a:p>
+          <a:p>
+            <a:r>
+              <a:rPr lang="en-CA" sz="2000" dirty="0" err="1">
+                <a:solidFill>
+                  <a:srgbClr val="FFFFFF"/>
+                </a:solidFill>
+              </a:rPr>
+              <a:t>Gord</a:t>
+            </a:r>
+            <a:r>
+              <a:rPr lang="en-CA" sz="2000" dirty="0">
+                <a:solidFill>
+                  <a:srgbClr val="FFFFFF"/>
+                </a:solidFill>
+              </a:rPr>
+              <a:t> Sinclair (bass)</a:t>
+            </a:r>
+          </a:p>
+          <a:p>
+            <a:r>
+              <a:rPr lang="en-CA" sz="2000" dirty="0">
+                <a:solidFill>
+                  <a:srgbClr val="FFFFFF"/>
+                </a:solidFill>
+              </a:rPr>
+              <a:t>Johnny Fay (drums)</a:t>
+            </a:r>
+          </a:p>
+          <a:p>
+            <a:r>
+              <a:rPr lang="en-CA" sz="2000" dirty="0">
+                <a:solidFill>
+                  <a:srgbClr val="FFFFFF"/>
+                </a:solidFill>
+              </a:rPr>
+              <a:t>Formed in Kingston, Ontario</a:t>
+            </a:r>
+          </a:p>
+        </p:txBody>
+      </p:sp>
+      <p:sp>
+        <p:nvSpPr>
+          <p:cNvPr id="6" name="TextBox 5">
+            <a:extLst>
+              <a:ext uri="{FF2B5EF4-FFF2-40B4-BE49-F238E27FC236}">
+                <a16:creationId xmlns:a16="http://schemas.microsoft.com/office/drawing/2014/main" id="{03701BE2-68F3-419A-9598-6A599689CAD7}"/>
+              </a:ext>
+            </a:extLst>
+          </p:cNvPr>
+          <p:cNvSpPr txBox="1"/>
+          <p:nvPr/>
+        </p:nvSpPr>
+        <p:spPr>
+          <a:xfrm>
+            <a:off x="9596141" y="289250"/>
+            <a:ext cx="2300390" cy="707886"/>
+          </a:xfrm>
+          <a:prstGeom prst="rect">
+            <a:avLst/>
+          </a:prstGeom>
+          <a:noFill/>
+        </p:spPr>
+        <p:txBody>
+          <a:bodyPr wrap="square" rtlCol="0">
+            <a:spAutoFit/>
+          </a:bodyPr>
+          <a:lstStyle/>
+          <a:p>
+            <a:r>
+              <a:rPr lang="en-CA" sz="4000" b="1" dirty="0"/>
+              <a:t>Canada</a:t>
+            </a:r>
+          </a:p>
+        </p:txBody>
+      </p:sp>
+    </p:spTree>
+    <p:extLst>
+      <p:ext uri="{BB962C8B-B14F-4D97-AF65-F5344CB8AC3E}">
+        <p14:creationId xmlns:p14="http://schemas.microsoft.com/office/powerpoint/2010/main" val="396021360"/>
+      </p:ext>
+    </p:extLst>
+  </p:cSld>
+  <p:clrMapOvr>
+    <a:overrideClrMapping bg1="dk1" tx1="lt1" bg2="dk2" tx2="lt2" accent1="accent1" accent2="accent2" accent3="accent3" accent4="accent4" accent5="accent5" accent6="accent6" hlink="hlink" folHlink="folHlink"/>
+  </p:clrMapOvr>
+</p:sld>
+</file>
+
+<file path=ppt/slides/slide11.xml><?xml version="1.0" encoding="utf-8"?>
+<p:sld xmlns:a="http://schemas.openxmlformats.org/drawingml/2006/main" xmlns:r="http://schemas.openxmlformats.org/officeDocument/2006/relationships" xmlns:p="http://schemas.openxmlformats.org/presentationml/2006/main">
+  <p:cSld>
+    <p:bg>
+      <p:bgPr>
+        <a:solidFill>
+          <a:schemeClr val="bg1"/>
+        </a:solidFill>
+        <a:effectLst/>
+      </p:bgPr>
+    </p:bg>
+    <p:spTree>
+      <p:nvGrpSpPr>
+        <p:cNvPr id="1" name=""/>
+        <p:cNvGrpSpPr/>
+        <p:nvPr/>
+      </p:nvGrpSpPr>
+      <p:grpSpPr>
+        <a:xfrm>
+          <a:off x="0" y="0"/>
+          <a:ext cx="0" cy="0"/>
+          <a:chOff x="0" y="0"/>
+          <a:chExt cx="0" cy="0"/>
+        </a:xfrm>
+      </p:grpSpPr>
+      <p:sp>
+        <p:nvSpPr>
+          <p:cNvPr id="11" name="Rectangle 9">
+            <a:extLst>
+              <a:ext uri="{FF2B5EF4-FFF2-40B4-BE49-F238E27FC236}">
+                <a16:creationId xmlns:a16="http://schemas.microsoft.com/office/drawing/2014/main" id="{C5E6CFF1-2F42-4E10-9A97-F116F46F53FE}"/>
+              </a:ext>
+            </a:extLst>
+          </p:cNvPr>
+          <p:cNvSpPr>
+            <a:spLocks noGrp="1" noRot="1" noChangeAspect="1" noMove="1" noResize="1" noEditPoints="1" noAdjustHandles="1" noChangeArrowheads="1" noChangeShapeType="1" noTextEdit="1"/>
+          </p:cNvSpPr>
+          <p:nvPr>
+            <p:extLst>
+              <p:ext uri="{386F3935-93C4-4BCD-93E2-E3B085C9AB24}">
+                <p16:designElem xmlns:p16="http://schemas.microsoft.com/office/powerpoint/2015/main" val="1"/>
+              </p:ext>
+            </p:extLst>
+          </p:nvPr>
+        </p:nvSpPr>
+        <p:spPr>
+          <a:xfrm>
+            <a:off x="0" y="0"/>
+            <a:ext cx="12192000" cy="6858000"/>
+          </a:xfrm>
+          <a:prstGeom prst="rect">
+            <a:avLst/>
+          </a:prstGeom>
+          <a:solidFill>
+            <a:srgbClr val="000000"/>
+          </a:solidFill>
+          <a:ln>
+            <a:noFill/>
+          </a:ln>
+        </p:spPr>
+        <p:style>
+          <a:lnRef idx="2">
+            <a:schemeClr val="accent1">
+              <a:shade val="50000"/>
+            </a:schemeClr>
+          </a:lnRef>
+          <a:fillRef idx="1">
+            <a:schemeClr val="accent1"/>
+          </a:fillRef>
+          <a:effectRef idx="0">
+            <a:schemeClr val="accent1"/>
+          </a:effectRef>
+          <a:fontRef idx="minor">
+            <a:schemeClr val="lt1"/>
+          </a:fontRef>
+        </p:style>
+        <p:txBody>
+          <a:bodyPr rtlCol="0" anchor="ctr"/>
+          <a:lstStyle/>
+          <a:p>
+            <a:pPr algn="ctr"/>
+            <a:endParaRPr lang="en-US"/>
+          </a:p>
+        </p:txBody>
+      </p:sp>
+      <p:pic>
+        <p:nvPicPr>
+          <p:cNvPr id="5" name="Picture 4" descr="A group of people posing for a photo&#10;&#10;Description generated with very high confidence">
+            <a:extLst>
+              <a:ext uri="{FF2B5EF4-FFF2-40B4-BE49-F238E27FC236}">
+                <a16:creationId xmlns:a16="http://schemas.microsoft.com/office/drawing/2014/main" id="{F6585714-6D18-42BB-9398-42174DB7FB5F}"/>
+              </a:ext>
+            </a:extLst>
+          </p:cNvPr>
+          <p:cNvPicPr>
+            <a:picLocks noChangeAspect="1"/>
+          </p:cNvPicPr>
+          <p:nvPr/>
+        </p:nvPicPr>
+        <p:blipFill rotWithShape="1">
+          <a:blip r:embed="rId2">
+            <a:alphaModFix amt="35000"/>
+            <a:extLst>
+              <a:ext uri="{28A0092B-C50C-407E-A947-70E740481C1C}">
+                <a14:useLocalDpi xmlns:a14="http://schemas.microsoft.com/office/drawing/2010/main" val="0"/>
+              </a:ext>
+            </a:extLst>
+          </a:blip>
+          <a:srcRect l="3164" r="7947"/>
+          <a:stretch/>
+        </p:blipFill>
+        <p:spPr>
+          <a:xfrm>
+            <a:off x="20" y="1"/>
+            <a:ext cx="12191980" cy="6857999"/>
+          </a:xfrm>
+          <a:prstGeom prst="rect">
+            <a:avLst/>
+          </a:prstGeom>
+        </p:spPr>
+      </p:pic>
+      <p:cxnSp>
+        <p:nvCxnSpPr>
+          <p:cNvPr id="13" name="Straight Connector 11">
+            <a:extLst>
+              <a:ext uri="{FF2B5EF4-FFF2-40B4-BE49-F238E27FC236}">
+                <a16:creationId xmlns:a16="http://schemas.microsoft.com/office/drawing/2014/main" id="{67182200-4859-4C8D-BCBB-55B245C28BA3}"/>
+              </a:ext>
+            </a:extLst>
+          </p:cNvPr>
+          <p:cNvCxnSpPr>
+            <a:cxnSpLocks noGrp="1" noRot="1" noChangeAspect="1" noMove="1" noResize="1" noEditPoints="1" noAdjustHandles="1" noChangeArrowheads="1" noChangeShapeType="1"/>
+          </p:cNvCxnSpPr>
+          <p:nvPr>
+            <p:extLst>
+              <p:ext uri="{386F3935-93C4-4BCD-93E2-E3B085C9AB24}">
+                <p16:designElem xmlns:p16="http://schemas.microsoft.com/office/powerpoint/2015/main" val="1"/>
+              </p:ext>
+            </p:extLst>
+          </p:nvPr>
+        </p:nvCxnSpPr>
+        <p:spPr>
+          <a:xfrm>
+            <a:off x="4653372" y="2286000"/>
+            <a:ext cx="0" cy="2286000"/>
+          </a:xfrm>
+          <a:prstGeom prst="line">
+            <a:avLst/>
+          </a:prstGeom>
+          <a:ln w="15875">
+            <a:solidFill>
+              <a:srgbClr val="FFFFFF"/>
+            </a:solidFill>
+          </a:ln>
+        </p:spPr>
+        <p:style>
+          <a:lnRef idx="1">
+            <a:schemeClr val="accent1"/>
+          </a:lnRef>
+          <a:fillRef idx="0">
+            <a:schemeClr val="accent1"/>
+          </a:fillRef>
+          <a:effectRef idx="0">
+            <a:schemeClr val="accent1"/>
+          </a:effectRef>
+          <a:fontRef idx="minor">
+            <a:schemeClr val="tx1"/>
+          </a:fontRef>
+        </p:style>
+      </p:cxnSp>
+      <p:sp>
+        <p:nvSpPr>
+          <p:cNvPr id="2" name="Title 1">
+            <a:extLst>
+              <a:ext uri="{FF2B5EF4-FFF2-40B4-BE49-F238E27FC236}">
+                <a16:creationId xmlns:a16="http://schemas.microsoft.com/office/drawing/2014/main" id="{1665117F-FB0E-4061-AE8E-995A707A41DA}"/>
+              </a:ext>
+            </a:extLst>
+          </p:cNvPr>
+          <p:cNvSpPr>
+            <a:spLocks noGrp="1"/>
+          </p:cNvSpPr>
+          <p:nvPr>
+            <p:ph type="title"/>
+          </p:nvPr>
+        </p:nvSpPr>
+        <p:spPr>
+          <a:xfrm>
+            <a:off x="838201" y="1065862"/>
+            <a:ext cx="3313164" cy="4726276"/>
+          </a:xfrm>
+        </p:spPr>
+        <p:txBody>
+          <a:bodyPr>
+            <a:normAutofit/>
+          </a:bodyPr>
+          <a:lstStyle/>
+          <a:p>
+            <a:pPr algn="r"/>
+            <a:r>
+              <a:rPr lang="en-CA" sz="4000" b="1" dirty="0">
+                <a:solidFill>
+                  <a:srgbClr val="FFFFFF"/>
+                </a:solidFill>
+              </a:rPr>
+              <a:t>The Tragically Hip, 1984 to present</a:t>
+            </a:r>
+          </a:p>
+        </p:txBody>
+      </p:sp>
+      <p:sp>
+        <p:nvSpPr>
+          <p:cNvPr id="3" name="Content Placeholder 2">
+            <a:extLst>
+              <a:ext uri="{FF2B5EF4-FFF2-40B4-BE49-F238E27FC236}">
+                <a16:creationId xmlns:a16="http://schemas.microsoft.com/office/drawing/2014/main" id="{6F7F9A11-EE68-4932-B2B4-EBCC270188A3}"/>
+              </a:ext>
+            </a:extLst>
+          </p:cNvPr>
+          <p:cNvSpPr>
+            <a:spLocks noGrp="1"/>
+          </p:cNvSpPr>
+          <p:nvPr>
+            <p:ph idx="1"/>
+          </p:nvPr>
+        </p:nvSpPr>
+        <p:spPr>
+          <a:xfrm>
+            <a:off x="5155379" y="1065862"/>
+            <a:ext cx="6629183" cy="5241632"/>
+          </a:xfrm>
+        </p:spPr>
+        <p:txBody>
+          <a:bodyPr anchor="ctr">
+            <a:normAutofit/>
+          </a:bodyPr>
+          <a:lstStyle/>
+          <a:p>
+            <a:r>
+              <a:rPr lang="en-CA" sz="2000" dirty="0">
+                <a:solidFill>
+                  <a:srgbClr val="FFFFFF"/>
+                </a:solidFill>
+              </a:rPr>
+              <a:t>1986 first EP with MCA, "The Tragically Hip"</a:t>
+            </a:r>
+          </a:p>
+          <a:p>
+            <a:r>
+              <a:rPr lang="en-CA" sz="2000" dirty="0">
+                <a:solidFill>
+                  <a:srgbClr val="FFFFFF"/>
+                </a:solidFill>
+              </a:rPr>
+              <a:t>1989 first LP with MCA, "Up to here":</a:t>
+            </a:r>
+          </a:p>
+          <a:p>
+            <a:pPr lvl="1"/>
+            <a:r>
+              <a:rPr lang="en-US" sz="2000" dirty="0">
+                <a:solidFill>
+                  <a:srgbClr val="FFFFFF"/>
+                </a:solidFill>
+              </a:rPr>
+              <a:t> Singles: "Blow at High Dough", "</a:t>
+            </a:r>
+            <a:r>
+              <a:rPr lang="en-US" sz="2000" dirty="0">
+                <a:solidFill>
+                  <a:srgbClr val="FFFFFF"/>
+                </a:solidFill>
+                <a:hlinkClick r:id="rId3"/>
+              </a:rPr>
+              <a:t>New Orleans Is Sinking</a:t>
+            </a:r>
+            <a:r>
+              <a:rPr lang="en-US" sz="2000" dirty="0">
+                <a:solidFill>
+                  <a:srgbClr val="FFFFFF"/>
+                </a:solidFill>
+              </a:rPr>
+              <a:t>", "Boots or Hearts", and "38 Years Old"</a:t>
+            </a:r>
+          </a:p>
+          <a:p>
+            <a:r>
+              <a:rPr lang="en-US" sz="2000" dirty="0">
+                <a:solidFill>
+                  <a:srgbClr val="FFFFFF"/>
+                </a:solidFill>
+              </a:rPr>
+              <a:t> 1991: "Road Apples“</a:t>
+            </a:r>
+          </a:p>
+          <a:p>
+            <a:pPr lvl="1"/>
+            <a:r>
+              <a:rPr lang="en-US" sz="2000" dirty="0">
+                <a:solidFill>
+                  <a:srgbClr val="FFFFFF"/>
+                </a:solidFill>
+              </a:rPr>
+              <a:t>Singles: "Little Bones," "Twist My Arm," and "Three Pistols"</a:t>
+            </a:r>
+            <a:endParaRPr lang="en-CA" sz="2000" dirty="0">
+              <a:solidFill>
+                <a:srgbClr val="FFFFFF"/>
+              </a:solidFill>
+            </a:endParaRPr>
+          </a:p>
+          <a:p>
+            <a:r>
+              <a:rPr lang="en-CA" sz="2000" dirty="0">
+                <a:solidFill>
+                  <a:srgbClr val="FFFFFF"/>
+                </a:solidFill>
+              </a:rPr>
+              <a:t>1992: “Fully Completely”</a:t>
+            </a:r>
+          </a:p>
+          <a:p>
+            <a:pPr lvl="1"/>
+            <a:r>
+              <a:rPr lang="en-CA" sz="2000" dirty="0">
+                <a:solidFill>
+                  <a:srgbClr val="FFFFFF"/>
+                </a:solidFill>
+              </a:rPr>
+              <a:t>Centered on Canadian icons and history</a:t>
+            </a:r>
+          </a:p>
+          <a:p>
+            <a:pPr lvl="1"/>
+            <a:r>
+              <a:rPr lang="en-CA" sz="2000" dirty="0">
+                <a:solidFill>
+                  <a:srgbClr val="FFFFFF"/>
+                </a:solidFill>
+              </a:rPr>
+              <a:t>Singles: </a:t>
+            </a:r>
+            <a:r>
+              <a:rPr lang="en-US" sz="2000" dirty="0">
+                <a:solidFill>
+                  <a:srgbClr val="FFFFFF"/>
+                </a:solidFill>
+              </a:rPr>
+              <a:t> "Locked in the Trunk of a Car", "Courage", and "At the Hundredth Meridian,” “Wheat Kings”</a:t>
+            </a:r>
+          </a:p>
+          <a:p>
+            <a:r>
+              <a:rPr lang="en-CA" sz="2000" dirty="0">
+                <a:solidFill>
+                  <a:srgbClr val="FFFFFF"/>
+                </a:solidFill>
+              </a:rPr>
+              <a:t>1993: Another Roadside Attraction Tour: Midnight Oil, Daniel Langlois, Hothouse Flowers, Crash Vegas</a:t>
+            </a:r>
+          </a:p>
+          <a:p>
+            <a:endParaRPr lang="en-CA" sz="2000" dirty="0">
+              <a:solidFill>
+                <a:srgbClr val="FFFFFF"/>
+              </a:solidFill>
+            </a:endParaRPr>
+          </a:p>
+        </p:txBody>
+      </p:sp>
+    </p:spTree>
+    <p:extLst>
+      <p:ext uri="{BB962C8B-B14F-4D97-AF65-F5344CB8AC3E}">
+        <p14:creationId xmlns:p14="http://schemas.microsoft.com/office/powerpoint/2010/main" val="474771103"/>
+      </p:ext>
+    </p:extLst>
+  </p:cSld>
+  <p:clrMapOvr>
+    <a:overrideClrMapping bg1="dk1" tx1="lt1" bg2="dk2" tx2="lt2" accent1="accent1" accent2="accent2" accent3="accent3" accent4="accent4" accent5="accent5" accent6="accent6" hlink="hlink" folHlink="folHlink"/>
+  </p:clrMapOvr>
+</p:sld>
+</file>
+
+<file path=ppt/slides/slide12.xml><?xml version="1.0" encoding="utf-8"?>
+<p:sld xmlns:a="http://schemas.openxmlformats.org/drawingml/2006/main" xmlns:r="http://schemas.openxmlformats.org/officeDocument/2006/relationships" xmlns:p="http://schemas.openxmlformats.org/presentationml/2006/main">
+  <p:cSld>
+    <p:bg>
+      <p:bgPr>
+        <a:solidFill>
+          <a:schemeClr val="bg1"/>
+        </a:solidFill>
+        <a:effectLst/>
+      </p:bgPr>
+    </p:bg>
+    <p:spTree>
+      <p:nvGrpSpPr>
+        <p:cNvPr id="1" name=""/>
+        <p:cNvGrpSpPr/>
+        <p:nvPr/>
+      </p:nvGrpSpPr>
+      <p:grpSpPr>
+        <a:xfrm>
+          <a:off x="0" y="0"/>
+          <a:ext cx="0" cy="0"/>
+          <a:chOff x="0" y="0"/>
+          <a:chExt cx="0" cy="0"/>
+        </a:xfrm>
+      </p:grpSpPr>
+      <p:sp>
+        <p:nvSpPr>
+          <p:cNvPr id="11" name="Rectangle 9">
+            <a:extLst>
+              <a:ext uri="{FF2B5EF4-FFF2-40B4-BE49-F238E27FC236}">
+                <a16:creationId xmlns:a16="http://schemas.microsoft.com/office/drawing/2014/main" id="{C5E6CFF1-2F42-4E10-9A97-F116F46F53FE}"/>
+              </a:ext>
+            </a:extLst>
+          </p:cNvPr>
+          <p:cNvSpPr>
+            <a:spLocks noGrp="1" noRot="1" noChangeAspect="1" noMove="1" noResize="1" noEditPoints="1" noAdjustHandles="1" noChangeArrowheads="1" noChangeShapeType="1" noTextEdit="1"/>
+          </p:cNvSpPr>
+          <p:nvPr>
+            <p:extLst>
+              <p:ext uri="{386F3935-93C4-4BCD-93E2-E3B085C9AB24}">
+                <p16:designElem xmlns:p16="http://schemas.microsoft.com/office/powerpoint/2015/main" val="1"/>
+              </p:ext>
+            </p:extLst>
+          </p:nvPr>
+        </p:nvSpPr>
+        <p:spPr>
+          <a:xfrm>
+            <a:off x="0" y="0"/>
+            <a:ext cx="12192000" cy="6858000"/>
+          </a:xfrm>
+          <a:prstGeom prst="rect">
+            <a:avLst/>
+          </a:prstGeom>
+          <a:solidFill>
+            <a:srgbClr val="000000"/>
+          </a:solidFill>
+          <a:ln>
+            <a:noFill/>
+          </a:ln>
+        </p:spPr>
+        <p:style>
+          <a:lnRef idx="2">
+            <a:schemeClr val="accent1">
+              <a:shade val="50000"/>
+            </a:schemeClr>
+          </a:lnRef>
+          <a:fillRef idx="1">
+            <a:schemeClr val="accent1"/>
+          </a:fillRef>
+          <a:effectRef idx="0">
+            <a:schemeClr val="accent1"/>
+          </a:effectRef>
+          <a:fontRef idx="minor">
+            <a:schemeClr val="lt1"/>
+          </a:fontRef>
+        </p:style>
+        <p:txBody>
+          <a:bodyPr rtlCol="0" anchor="ctr"/>
+          <a:lstStyle/>
+          <a:p>
+            <a:pPr algn="ctr"/>
+            <a:endParaRPr lang="en-US"/>
+          </a:p>
+        </p:txBody>
+      </p:sp>
+      <p:pic>
+        <p:nvPicPr>
+          <p:cNvPr id="5" name="Picture 4" descr="A group of people posing for a photo&#10;&#10;Description generated with very high confidence">
+            <a:extLst>
+              <a:ext uri="{FF2B5EF4-FFF2-40B4-BE49-F238E27FC236}">
+                <a16:creationId xmlns:a16="http://schemas.microsoft.com/office/drawing/2014/main" id="{F6585714-6D18-42BB-9398-42174DB7FB5F}"/>
+              </a:ext>
+            </a:extLst>
+          </p:cNvPr>
+          <p:cNvPicPr>
+            <a:picLocks noChangeAspect="1"/>
+          </p:cNvPicPr>
+          <p:nvPr/>
+        </p:nvPicPr>
+        <p:blipFill rotWithShape="1">
+          <a:blip r:embed="rId2">
+            <a:alphaModFix amt="35000"/>
+            <a:extLst>
+              <a:ext uri="{28A0092B-C50C-407E-A947-70E740481C1C}">
+                <a14:useLocalDpi xmlns:a14="http://schemas.microsoft.com/office/drawing/2010/main" val="0"/>
+              </a:ext>
+            </a:extLst>
+          </a:blip>
+          <a:srcRect l="3164" r="7947"/>
+          <a:stretch/>
+        </p:blipFill>
+        <p:spPr>
+          <a:xfrm>
+            <a:off x="20" y="1"/>
+            <a:ext cx="12191980" cy="6857999"/>
+          </a:xfrm>
+          <a:prstGeom prst="rect">
+            <a:avLst/>
+          </a:prstGeom>
+        </p:spPr>
+      </p:pic>
+      <p:cxnSp>
+        <p:nvCxnSpPr>
+          <p:cNvPr id="13" name="Straight Connector 11">
+            <a:extLst>
+              <a:ext uri="{FF2B5EF4-FFF2-40B4-BE49-F238E27FC236}">
+                <a16:creationId xmlns:a16="http://schemas.microsoft.com/office/drawing/2014/main" id="{67182200-4859-4C8D-BCBB-55B245C28BA3}"/>
+              </a:ext>
+            </a:extLst>
+          </p:cNvPr>
+          <p:cNvCxnSpPr>
+            <a:cxnSpLocks noGrp="1" noRot="1" noChangeAspect="1" noMove="1" noResize="1" noEditPoints="1" noAdjustHandles="1" noChangeArrowheads="1" noChangeShapeType="1"/>
+          </p:cNvCxnSpPr>
+          <p:nvPr>
+            <p:extLst>
+              <p:ext uri="{386F3935-93C4-4BCD-93E2-E3B085C9AB24}">
+                <p16:designElem xmlns:p16="http://schemas.microsoft.com/office/powerpoint/2015/main" val="1"/>
+              </p:ext>
+            </p:extLst>
+          </p:nvPr>
+        </p:nvCxnSpPr>
+        <p:spPr>
+          <a:xfrm>
+            <a:off x="4653372" y="2286000"/>
+            <a:ext cx="0" cy="2286000"/>
+          </a:xfrm>
+          <a:prstGeom prst="line">
+            <a:avLst/>
+          </a:prstGeom>
+          <a:ln w="15875">
+            <a:solidFill>
+              <a:srgbClr val="FFFFFF"/>
+            </a:solidFill>
+          </a:ln>
+        </p:spPr>
+        <p:style>
+          <a:lnRef idx="1">
+            <a:schemeClr val="accent1"/>
+          </a:lnRef>
+          <a:fillRef idx="0">
+            <a:schemeClr val="accent1"/>
+          </a:fillRef>
+          <a:effectRef idx="0">
+            <a:schemeClr val="accent1"/>
+          </a:effectRef>
+          <a:fontRef idx="minor">
+            <a:schemeClr val="tx1"/>
+          </a:fontRef>
+        </p:style>
+      </p:cxnSp>
+      <p:sp>
+        <p:nvSpPr>
+          <p:cNvPr id="2" name="Title 1">
+            <a:extLst>
+              <a:ext uri="{FF2B5EF4-FFF2-40B4-BE49-F238E27FC236}">
+                <a16:creationId xmlns:a16="http://schemas.microsoft.com/office/drawing/2014/main" id="{1665117F-FB0E-4061-AE8E-995A707A41DA}"/>
+              </a:ext>
+            </a:extLst>
+          </p:cNvPr>
+          <p:cNvSpPr>
+            <a:spLocks noGrp="1"/>
+          </p:cNvSpPr>
+          <p:nvPr>
+            <p:ph type="title"/>
+          </p:nvPr>
+        </p:nvSpPr>
+        <p:spPr>
+          <a:xfrm>
+            <a:off x="838201" y="1065862"/>
+            <a:ext cx="3313164" cy="4726276"/>
+          </a:xfrm>
+        </p:spPr>
+        <p:txBody>
+          <a:bodyPr>
+            <a:normAutofit/>
+          </a:bodyPr>
+          <a:lstStyle/>
+          <a:p>
+            <a:pPr algn="r"/>
+            <a:r>
+              <a:rPr lang="en-CA" sz="4000" b="1" dirty="0">
+                <a:solidFill>
+                  <a:srgbClr val="FFFFFF"/>
+                </a:solidFill>
+              </a:rPr>
+              <a:t>The Tragically Hip, 1984 to present</a:t>
+            </a:r>
+          </a:p>
+        </p:txBody>
+      </p:sp>
+      <p:sp>
+        <p:nvSpPr>
+          <p:cNvPr id="3" name="Content Placeholder 2">
+            <a:extLst>
+              <a:ext uri="{FF2B5EF4-FFF2-40B4-BE49-F238E27FC236}">
+                <a16:creationId xmlns:a16="http://schemas.microsoft.com/office/drawing/2014/main" id="{6F7F9A11-EE68-4932-B2B4-EBCC270188A3}"/>
+              </a:ext>
+            </a:extLst>
+          </p:cNvPr>
+          <p:cNvSpPr>
+            <a:spLocks noGrp="1"/>
+          </p:cNvSpPr>
+          <p:nvPr>
+            <p:ph idx="1"/>
+          </p:nvPr>
+        </p:nvSpPr>
+        <p:spPr>
+          <a:xfrm>
+            <a:off x="4989547" y="1065862"/>
+            <a:ext cx="6795016" cy="5241632"/>
+          </a:xfrm>
+        </p:spPr>
+        <p:txBody>
+          <a:bodyPr anchor="ctr">
+            <a:normAutofit/>
+          </a:bodyPr>
+          <a:lstStyle/>
+          <a:p>
+            <a:r>
+              <a:rPr lang="en-CA" sz="2000" dirty="0">
+                <a:solidFill>
+                  <a:srgbClr val="FFFFFF"/>
+                </a:solidFill>
+              </a:rPr>
+              <a:t>1994: “Day for Night”:</a:t>
+            </a:r>
+          </a:p>
+          <a:p>
+            <a:r>
+              <a:rPr lang="en-CA" sz="2000" dirty="0">
+                <a:solidFill>
+                  <a:srgbClr val="FFFFFF"/>
+                </a:solidFill>
+              </a:rPr>
+              <a:t>Singles: “Grace, Too,” “Nautical Disaster”</a:t>
+            </a:r>
+          </a:p>
+          <a:p>
+            <a:r>
+              <a:rPr lang="en-CA" sz="2000" dirty="0">
+                <a:solidFill>
+                  <a:srgbClr val="FFFFFF"/>
+                </a:solidFill>
+              </a:rPr>
+              <a:t>1995: appeared on SNL (thanks to Dan Aykroyd, who introduced them): </a:t>
+            </a:r>
+            <a:r>
+              <a:rPr lang="en-CA" sz="2000" dirty="0">
+                <a:solidFill>
+                  <a:srgbClr val="FFFFFF"/>
+                </a:solidFill>
+                <a:hlinkClick r:id="rId3"/>
+              </a:rPr>
+              <a:t>https://www.youtube.com/watch?v=nOE8KeCbl_A</a:t>
+            </a:r>
+            <a:endParaRPr lang="en-CA" sz="2000" dirty="0">
+              <a:solidFill>
+                <a:srgbClr val="FFFFFF"/>
+              </a:solidFill>
+            </a:endParaRPr>
+          </a:p>
+          <a:p>
+            <a:r>
+              <a:rPr lang="en-US" sz="2000" dirty="0">
+                <a:solidFill>
+                  <a:srgbClr val="FFFFFF"/>
+                </a:solidFill>
+              </a:rPr>
+              <a:t>1996: “Trouble at the Henhouse”:</a:t>
+            </a:r>
+          </a:p>
+          <a:p>
+            <a:r>
+              <a:rPr lang="en-US" sz="2000" dirty="0">
+                <a:solidFill>
+                  <a:srgbClr val="FFFFFF"/>
+                </a:solidFill>
+              </a:rPr>
+              <a:t>“Gift Shop”; “Ahead by a Century”</a:t>
+            </a:r>
+          </a:p>
+          <a:p>
+            <a:r>
+              <a:rPr lang="en-US" sz="2000" dirty="0">
+                <a:solidFill>
+                  <a:srgbClr val="FFFFFF"/>
+                </a:solidFill>
+              </a:rPr>
+              <a:t>1998: “Phantom Power”:</a:t>
+            </a:r>
+          </a:p>
+          <a:p>
+            <a:pPr lvl="1"/>
+            <a:r>
+              <a:rPr lang="en-CA" sz="1800" dirty="0"/>
+              <a:t>"Bobcaygeon,” “Fire Works”, “Escape is at hand for the </a:t>
+            </a:r>
+            <a:r>
+              <a:rPr lang="en-CA" sz="1800" dirty="0" err="1"/>
+              <a:t>travellin</a:t>
+            </a:r>
+            <a:r>
+              <a:rPr lang="en-CA" sz="1800" dirty="0"/>
+              <a:t>’ man”</a:t>
+            </a:r>
+          </a:p>
+          <a:p>
+            <a:pPr lvl="1"/>
+            <a:endParaRPr lang="en-US" sz="1800" dirty="0">
+              <a:solidFill>
+                <a:srgbClr val="FFFFFF"/>
+              </a:solidFill>
+            </a:endParaRPr>
+          </a:p>
+          <a:p>
+            <a:r>
+              <a:rPr lang="en-CA" sz="2000" dirty="0">
+                <a:solidFill>
+                  <a:srgbClr val="FFFFFF"/>
+                </a:solidFill>
+              </a:rPr>
+              <a:t>Last concert was broadcast live on CBC television.</a:t>
+            </a:r>
+          </a:p>
+          <a:p>
+            <a:r>
+              <a:rPr lang="en-CA" sz="2000" dirty="0">
+                <a:solidFill>
+                  <a:srgbClr val="FFFFFF"/>
+                </a:solidFill>
+              </a:rPr>
+              <a:t>Made Rock Music main stream in Canada (at least)</a:t>
+            </a:r>
+          </a:p>
+          <a:p>
+            <a:endParaRPr lang="en-CA" sz="2000" dirty="0">
+              <a:solidFill>
+                <a:srgbClr val="FFFFFF"/>
+              </a:solidFill>
+            </a:endParaRPr>
+          </a:p>
+          <a:p>
+            <a:endParaRPr lang="en-CA" sz="2000" dirty="0">
+              <a:solidFill>
+                <a:srgbClr val="FFFFFF"/>
+              </a:solidFill>
+            </a:endParaRPr>
+          </a:p>
+        </p:txBody>
+      </p:sp>
+    </p:spTree>
+    <p:extLst>
+      <p:ext uri="{BB962C8B-B14F-4D97-AF65-F5344CB8AC3E}">
+        <p14:creationId xmlns:p14="http://schemas.microsoft.com/office/powerpoint/2010/main" val="2464994439"/>
+      </p:ext>
+    </p:extLst>
+  </p:cSld>
+  <p:clrMapOvr>
+    <a:overrideClrMapping bg1="dk1" tx1="lt1" bg2="dk2" tx2="lt2" accent1="accent1" accent2="accent2" accent3="accent3" accent4="accent4" accent5="accent5" accent6="accent6" hlink="hlink" folHlink="folHlink"/>
+  </p:clrMapOvr>
 </p:sld>
 </file>
 
@@ -3472,16 +4872,12 @@
           <a:lstStyle/>
           <a:p>
             <a:r>
-              <a:rPr lang="en-US" sz="5400" dirty="0" smtClean="0">
+              <a:rPr lang="en-US" sz="5400" b="1" dirty="0">
                 <a:latin typeface="Aharoni" panose="02010803020104030203" pitchFamily="2" charset="-79"/>
                 <a:cs typeface="Aharoni" panose="02010803020104030203" pitchFamily="2" charset="-79"/>
               </a:rPr>
               <a:t>Rock and Roll Dispersion</a:t>
             </a:r>
-            <a:endParaRPr lang="en-US" sz="5400" dirty="0">
-              <a:latin typeface="Aharoni" panose="02010803020104030203" pitchFamily="2" charset="-79"/>
-              <a:cs typeface="Aharoni" panose="02010803020104030203" pitchFamily="2" charset="-79"/>
-            </a:endParaRPr>
           </a:p>
         </p:txBody>
       </p:sp>
@@ -3508,72 +4904,72 @@
           <a:lstStyle/>
           <a:p>
             <a:r>
-              <a:rPr lang="en-US" dirty="0" smtClean="0"/>
+              <a:rPr lang="en-US" dirty="0"/>
               <a:t>Hard to measure</a:t>
             </a:r>
           </a:p>
           <a:p>
             <a:r>
-              <a:rPr lang="en-US" dirty="0" smtClean="0"/>
+              <a:rPr lang="en-US" dirty="0"/>
               <a:t>Not a lot of research, and usually country specific</a:t>
             </a:r>
           </a:p>
           <a:p>
             <a:r>
-              <a:rPr lang="en-US" dirty="0" smtClean="0"/>
+              <a:rPr lang="en-US" dirty="0"/>
               <a:t>Spread quickly to Canada, Europe, Australia, New Zealand.</a:t>
             </a:r>
           </a:p>
           <a:p>
             <a:r>
-              <a:rPr lang="en-US" dirty="0" smtClean="0"/>
+              <a:rPr lang="en-US" dirty="0"/>
               <a:t>Slower to other countries, especially on the other side of the Iron Curtain.</a:t>
             </a:r>
           </a:p>
           <a:p>
             <a:pPr lvl="1"/>
             <a:r>
-              <a:rPr lang="en-US" sz="2800" dirty="0" smtClean="0"/>
+              <a:rPr lang="en-US" sz="2800" dirty="0"/>
               <a:t>But slipped in: </a:t>
             </a:r>
           </a:p>
           <a:p>
             <a:pPr lvl="2"/>
             <a:r>
-              <a:rPr lang="en-US" sz="2800" dirty="0" smtClean="0"/>
+              <a:rPr lang="en-US" sz="2800" dirty="0"/>
               <a:t>Ham radios</a:t>
             </a:r>
           </a:p>
           <a:p>
             <a:pPr lvl="2"/>
             <a:r>
-              <a:rPr lang="en-US" sz="2800" dirty="0" smtClean="0"/>
+              <a:rPr lang="en-US" sz="2800" dirty="0"/>
               <a:t>Tape recordings</a:t>
             </a:r>
           </a:p>
           <a:p>
             <a:pPr lvl="2"/>
             <a:r>
-              <a:rPr lang="en-US" sz="2800" dirty="0" smtClean="0"/>
+              <a:rPr lang="en-US" sz="2800" dirty="0"/>
               <a:t>X-rays records</a:t>
             </a:r>
           </a:p>
           <a:p>
             <a:pPr lvl="2"/>
             <a:r>
-              <a:rPr lang="en-US" sz="2800" dirty="0" smtClean="0"/>
+              <a:rPr lang="en-US" sz="2800" dirty="0"/>
               <a:t>Radio Free Europe</a:t>
             </a:r>
           </a:p>
           <a:p>
             <a:pPr lvl="2"/>
             <a:r>
-              <a:rPr lang="en-US" sz="2800" dirty="0" smtClean="0"/>
+              <a:rPr lang="en-US" sz="2800" dirty="0"/>
               <a:t>Black market</a:t>
             </a:r>
           </a:p>
           <a:p>
-            <a:endParaRPr lang="en-US" dirty="0" smtClean="0"/>
+            <a:endParaRPr lang="en-US" dirty="0"/>
           </a:p>
         </p:txBody>
       </p:sp>
@@ -3587,13 +4983,6 @@
   <p:clrMapOvr>
     <a:masterClrMapping/>
   </p:clrMapOvr>
-  <p:timing>
-    <p:tnLst>
-      <p:par>
-        <p:cTn id="1" dur="indefinite" restart="never" nodeType="tmRoot"/>
-      </p:par>
-    </p:tnLst>
-  </p:timing>
 </p:sld>
 </file>
 
@@ -3637,16 +5026,12 @@
           <a:lstStyle/>
           <a:p>
             <a:r>
-              <a:rPr lang="en-US" b="1" dirty="0" smtClean="0">
+              <a:rPr lang="en-US" b="1" dirty="0">
                 <a:latin typeface="Aharoni" panose="02010803020104030203" pitchFamily="2" charset="-79"/>
                 <a:cs typeface="Aharoni" panose="02010803020104030203" pitchFamily="2" charset="-79"/>
               </a:rPr>
               <a:t>Popular Music on the other side</a:t>
             </a:r>
-            <a:endParaRPr lang="en-US" b="1" dirty="0">
-              <a:latin typeface="Aharoni" panose="02010803020104030203" pitchFamily="2" charset="-79"/>
-              <a:cs typeface="Aharoni" panose="02010803020104030203" pitchFamily="2" charset="-79"/>
-            </a:endParaRPr>
           </a:p>
         </p:txBody>
       </p:sp>
@@ -3666,72 +5051,64 @@
           <a:lstStyle/>
           <a:p>
             <a:r>
-              <a:rPr lang="en-US" dirty="0" smtClean="0"/>
+              <a:rPr lang="en-US" dirty="0"/>
               <a:t>Vladimir </a:t>
             </a:r>
             <a:r>
-              <a:rPr lang="en-US" dirty="0" err="1" smtClean="0"/>
+              <a:rPr lang="en-US" dirty="0" err="1"/>
               <a:t>Vysotsky</a:t>
             </a:r>
             <a:r>
-              <a:rPr lang="en-US" dirty="0" smtClean="0"/>
+              <a:rPr lang="en-US" dirty="0"/>
               <a:t>, 1938-1980</a:t>
             </a:r>
           </a:p>
           <a:p>
             <a:r>
-              <a:rPr lang="en-US" dirty="0" smtClean="0"/>
+              <a:rPr lang="en-US" dirty="0"/>
               <a:t>Father: Jewish, Soviet Army Colonel, from Kiev Jews.</a:t>
             </a:r>
           </a:p>
           <a:p>
             <a:r>
-              <a:rPr lang="en-US" dirty="0" smtClean="0"/>
+              <a:rPr lang="en-US" dirty="0"/>
               <a:t>Mother: Russian, German language translator</a:t>
             </a:r>
           </a:p>
           <a:p>
             <a:r>
-              <a:rPr lang="en-US" dirty="0" smtClean="0"/>
+              <a:rPr lang="en-US" dirty="0"/>
               <a:t>After WWII, parents broke up.</a:t>
             </a:r>
           </a:p>
           <a:p>
             <a:r>
-              <a:rPr lang="en-US" dirty="0" smtClean="0"/>
-              <a:t>Vlad lived with father and new Armenian wife, “Aunt </a:t>
-            </a:r>
-            <a:r>
-              <a:rPr lang="en-US" dirty="0" err="1" smtClean="0"/>
+              <a:rPr lang="en-US" dirty="0"/>
+              <a:t>Vlad lived with father and new Armenian wife, "Aunt </a:t>
+            </a:r>
+            <a:r>
+              <a:rPr lang="en-US" dirty="0" err="1"/>
               <a:t>Zhenya</a:t>
             </a:r>
             <a:r>
-              <a:rPr lang="en-US" dirty="0" smtClean="0"/>
-              <a:t>” in East Germany.</a:t>
-            </a:r>
-          </a:p>
-          <a:p>
-            <a:r>
-              <a:rPr lang="en-US" dirty="0" smtClean="0"/>
+              <a:rPr lang="en-US" dirty="0"/>
+              <a:t>" in East Germany.</a:t>
+            </a:r>
+          </a:p>
+          <a:p>
+            <a:r>
+              <a:rPr lang="en-US" dirty="0"/>
               <a:t>Vlad’s initial talent was in theatre.</a:t>
             </a:r>
           </a:p>
           <a:p>
             <a:r>
-              <a:rPr lang="en-US" dirty="0" smtClean="0"/>
-              <a:t>1955, took one semester Moscow </a:t>
-            </a:r>
-            <a:r>
-              <a:rPr lang="en-US" dirty="0"/>
-              <a:t>Institute of Civil </a:t>
-            </a:r>
-            <a:r>
-              <a:rPr lang="en-US" dirty="0" smtClean="0"/>
-              <a:t>Engineering, but then dropped out to become an actor.</a:t>
-            </a:r>
-          </a:p>
-          <a:p>
-            <a:endParaRPr lang="en-US" dirty="0" smtClean="0"/>
+              <a:rPr lang="en-US" dirty="0"/>
+              <a:t>1955, took one semester Moscow Institute of Civil Engineering, but then dropped out to become an actor.</a:t>
+            </a:r>
+          </a:p>
+          <a:p>
+            <a:endParaRPr lang="en-US" dirty="0"/>
           </a:p>
           <a:p>
             <a:endParaRPr lang="en-US" dirty="0"/>
@@ -3778,13 +5155,6 @@
   <p:clrMapOvr>
     <a:masterClrMapping/>
   </p:clrMapOvr>
-  <p:timing>
-    <p:tnLst>
-      <p:par>
-        <p:cTn id="1" dur="indefinite" restart="never" nodeType="tmRoot"/>
-      </p:par>
-    </p:tnLst>
-  </p:timing>
 </p:sld>
 </file>
 
@@ -3821,18 +5191,17 @@
           <a:lstStyle/>
           <a:p>
             <a:r>
-              <a:rPr lang="en-US" b="1" dirty="0" smtClean="0"/>
+              <a:rPr lang="en-US" b="1" dirty="0"/>
               <a:t>Vladimir </a:t>
             </a:r>
             <a:r>
-              <a:rPr lang="en-US" b="1" dirty="0" err="1" smtClean="0"/>
+              <a:rPr lang="en-US" b="1" dirty="0" err="1"/>
               <a:t>Vysotsky</a:t>
             </a:r>
             <a:r>
-              <a:rPr lang="en-US" b="1" dirty="0" smtClean="0"/>
+              <a:rPr lang="en-US" b="1" dirty="0"/>
               <a:t>, 1938-1980</a:t>
             </a:r>
-            <a:endParaRPr lang="en-US" b="1" dirty="0"/>
           </a:p>
         </p:txBody>
       </p:sp>
@@ -3854,72 +5223,64 @@
           <a:lstStyle/>
           <a:p>
             <a:r>
-              <a:rPr lang="en-US" dirty="0" smtClean="0"/>
+              <a:rPr lang="en-US" dirty="0"/>
               <a:t>Initial career was in theatre and film</a:t>
             </a:r>
           </a:p>
           <a:p>
             <a:r>
-              <a:rPr lang="en-US" dirty="0" smtClean="0"/>
-              <a:t>Began to write songs for both, and “for the drawer.”</a:t>
-            </a:r>
-          </a:p>
-          <a:p>
-            <a:r>
-              <a:rPr lang="en-US" dirty="0" smtClean="0"/>
+              <a:rPr lang="en-US" dirty="0"/>
+              <a:t>Began to write songs for both, and "for the drawer."</a:t>
+            </a:r>
+          </a:p>
+          <a:p>
+            <a:r>
+              <a:rPr lang="en-US" dirty="0"/>
               <a:t>Film </a:t>
             </a:r>
             <a:r>
-              <a:rPr lang="en-US" i="1" dirty="0" smtClean="0"/>
+              <a:rPr lang="en-US" i="1" dirty="0"/>
               <a:t>The Vertical</a:t>
             </a:r>
             <a:r>
-              <a:rPr lang="en-US" dirty="0" smtClean="0"/>
-              <a:t>, 1968, included his song </a:t>
-            </a:r>
-            <a:r>
-              <a:rPr lang="en-US" dirty="0"/>
-              <a:t>"Song of a Friend" (</a:t>
+              <a:rPr lang="en-US" dirty="0"/>
+              <a:t>, 1968, included his song "Song of a Friend" (</a:t>
             </a:r>
             <a:r>
               <a:rPr lang="ru-RU" dirty="0"/>
-              <a:t>Песня о друге</a:t>
-            </a:r>
-            <a:r>
-              <a:rPr lang="ru-RU" dirty="0" smtClean="0"/>
-              <a:t>)</a:t>
-            </a:r>
-            <a:r>
-              <a:rPr lang="en-US" dirty="0" smtClean="0"/>
+              <a:t>Песня о друге)</a:t>
+            </a:r>
+            <a:r>
+              <a:rPr lang="en-US" dirty="0"/>
               <a:t>.</a:t>
             </a:r>
           </a:p>
           <a:p>
             <a:r>
-              <a:rPr lang="en-US" dirty="0" smtClean="0">
+              <a:rPr lang="en-US" dirty="0">
                 <a:hlinkClick r:id="rId2"/>
               </a:rPr>
               <a:t>https://www.youtube.com/watch?v=CZ5s4vdFhMA</a:t>
             </a:r>
-            <a:endParaRPr lang="en-US" dirty="0" smtClean="0"/>
-          </a:p>
-          <a:p>
-            <a:r>
-              <a:rPr lang="en-US" dirty="0" smtClean="0"/>
+            <a:endParaRPr lang="en-US" dirty="0"/>
+          </a:p>
+          <a:p>
+            <a:r>
+              <a:rPr lang="en-US" dirty="0"/>
               <a:t>Wrote thousands of songs, some never recorded.</a:t>
             </a:r>
           </a:p>
           <a:p>
             <a:r>
-              <a:rPr lang="en-US" dirty="0" smtClean="0"/>
+              <a:rPr lang="en-US" dirty="0"/>
               <a:t>Film </a:t>
             </a:r>
             <a:r>
-              <a:rPr lang="en-US" i="1" dirty="0" smtClean="0"/>
+              <a:rPr lang="en-US" i="1" dirty="0"/>
               <a:t>Two Comrades were serving</a:t>
             </a:r>
             <a:r>
-              <a:rPr lang="en-US" dirty="0" smtClean="0"/>
+              <a:rPr lang="en-US" dirty="0"/>
               <a:t>, 1968, led to most important and critical songs:</a:t>
             </a:r>
           </a:p>
@@ -3930,31 +5291,27 @@
             </a:r>
             <a:r>
               <a:rPr lang="ru-RU" dirty="0"/>
-              <a:t>Моя цыганская</a:t>
-            </a:r>
-            <a:r>
-              <a:rPr lang="ru-RU" dirty="0" smtClean="0"/>
-              <a:t>)</a:t>
-            </a:r>
-            <a:endParaRPr lang="en-US" dirty="0" smtClean="0"/>
-          </a:p>
-          <a:p>
-            <a:r>
-              <a:rPr lang="en-US" dirty="0" smtClean="0">
+              <a:t>Моя цыганская)</a:t>
+            </a:r>
+            <a:endParaRPr lang="en-US" dirty="0"/>
+          </a:p>
+          <a:p>
+            <a:r>
+              <a:rPr lang="en-US" dirty="0">
                 <a:hlinkClick r:id="rId3"/>
               </a:rPr>
               <a:t>https://www.youtube.com/watch?v=-KdPhGBwkvE</a:t>
             </a:r>
-            <a:endParaRPr lang="en-US" dirty="0" smtClean="0"/>
-          </a:p>
-          <a:p>
-            <a:r>
-              <a:rPr lang="en-US" dirty="0" smtClean="0"/>
+            <a:endParaRPr lang="en-US" dirty="0"/>
+          </a:p>
+          <a:p>
+            <a:r>
+              <a:rPr lang="en-US" dirty="0"/>
               <a:t>Died of heart attack during the summer Olympics.</a:t>
             </a:r>
           </a:p>
           <a:p>
-            <a:endParaRPr lang="en-US" dirty="0" smtClean="0"/>
+            <a:endParaRPr lang="en-US" dirty="0"/>
           </a:p>
           <a:p>
             <a:endParaRPr lang="en-US" dirty="0"/>
@@ -3971,13 +5328,6 @@
   <p:clrMapOvr>
     <a:masterClrMapping/>
   </p:clrMapOvr>
-  <p:timing>
-    <p:tnLst>
-      <p:par>
-        <p:cTn id="1" dur="indefinite" restart="never" nodeType="tmRoot"/>
-      </p:par>
-    </p:tnLst>
-  </p:timing>
 </p:sld>
 </file>
 
@@ -4014,16 +5364,12 @@
           <a:lstStyle/>
           <a:p>
             <a:r>
-              <a:rPr lang="en-US" b="1" dirty="0" smtClean="0">
+              <a:rPr lang="en-US" b="1" dirty="0">
                 <a:latin typeface="Aharoni" panose="02010803020104030203" pitchFamily="2" charset="-79"/>
                 <a:cs typeface="Aharoni" panose="02010803020104030203" pitchFamily="2" charset="-79"/>
               </a:rPr>
               <a:t>Plastic People of the Universe, 1968-1988</a:t>
             </a:r>
-            <a:endParaRPr lang="en-US" b="1" dirty="0">
-              <a:latin typeface="Aharoni" panose="02010803020104030203" pitchFamily="2" charset="-79"/>
-              <a:cs typeface="Aharoni" panose="02010803020104030203" pitchFamily="2" charset="-79"/>
-            </a:endParaRPr>
           </a:p>
         </p:txBody>
       </p:sp>
@@ -4045,77 +5391,73 @@
           <a:lstStyle/>
           <a:p>
             <a:r>
-              <a:rPr lang="en-US" dirty="0" smtClean="0"/>
+              <a:rPr lang="en-US" dirty="0"/>
               <a:t>Czechoslovakia People’s Republic</a:t>
             </a:r>
           </a:p>
           <a:p>
             <a:r>
-              <a:rPr lang="en-US" dirty="0" smtClean="0"/>
+              <a:rPr lang="en-US" dirty="0"/>
               <a:t>1968: Prague Spring, </a:t>
             </a:r>
             <a:r>
-              <a:rPr lang="en-US" dirty="0" err="1" smtClean="0"/>
+              <a:rPr lang="en-US" dirty="0" err="1"/>
               <a:t>Aleksandr</a:t>
             </a:r>
             <a:r>
-              <a:rPr lang="en-US" dirty="0" smtClean="0"/>
+              <a:rPr lang="en-US" dirty="0"/>
               <a:t> Dubcek</a:t>
             </a:r>
           </a:p>
           <a:p>
             <a:r>
-              <a:rPr lang="en-US" dirty="0" smtClean="0"/>
+              <a:rPr lang="en-US" dirty="0"/>
               <a:t>August 1968: Warsaw Pact troops invaded.</a:t>
             </a:r>
           </a:p>
           <a:p>
             <a:r>
-              <a:rPr lang="en-US" dirty="0" smtClean="0"/>
-              <a:t>Led to “Normalization”.</a:t>
-            </a:r>
-          </a:p>
-          <a:p>
-            <a:r>
-              <a:rPr lang="en-US" dirty="0" smtClean="0"/>
-              <a:t>September 1968: </a:t>
-            </a:r>
-            <a:r>
-              <a:rPr lang="en-US" dirty="0"/>
-              <a:t>Bassist Milan </a:t>
-            </a:r>
-            <a:r>
-              <a:rPr lang="en-US" dirty="0" err="1" smtClean="0"/>
+              <a:rPr lang="en-US" dirty="0"/>
+              <a:t>Led to "Normalization".</a:t>
+            </a:r>
+          </a:p>
+          <a:p>
+            <a:r>
+              <a:rPr lang="en-US" dirty="0"/>
+              <a:t>September 1968: Bassist Milan </a:t>
+            </a:r>
+            <a:r>
+              <a:rPr lang="en-US" dirty="0" err="1"/>
               <a:t>Hlavsa</a:t>
             </a:r>
             <a:r>
-              <a:rPr lang="en-US" dirty="0" smtClean="0"/>
+              <a:rPr lang="en-US" dirty="0"/>
               <a:t> formed Plastic People of the Universe.</a:t>
             </a:r>
           </a:p>
           <a:p>
             <a:r>
-              <a:rPr lang="en-US" dirty="0" smtClean="0"/>
-              <a:t>Influenced by Frank Zappa (“Plastic People,” 1967) and Velvet Underground.</a:t>
-            </a:r>
-          </a:p>
-          <a:p>
-            <a:r>
-              <a:rPr lang="en-US" dirty="0" smtClean="0"/>
+              <a:rPr lang="en-US" dirty="0"/>
+              <a:t>Influenced by Frank Zappa ("Plastic People," 1967) and Velvet Underground.</a:t>
+            </a:r>
+          </a:p>
+          <a:p>
+            <a:r>
+              <a:rPr lang="en-US" dirty="0"/>
               <a:t>Paul Wilson became their English singer and translator, 1970-1972.</a:t>
             </a:r>
           </a:p>
           <a:p>
             <a:r>
-              <a:rPr lang="en-US" dirty="0" smtClean="0"/>
+              <a:rPr lang="en-US" dirty="0"/>
               <a:t>1970: Czechoslovak government revoked their musicians’ </a:t>
             </a:r>
             <a:r>
-              <a:rPr lang="en-US" dirty="0" err="1" smtClean="0"/>
+              <a:rPr lang="en-US" dirty="0" err="1"/>
               <a:t>licence</a:t>
             </a:r>
             <a:r>
-              <a:rPr lang="en-US" dirty="0" smtClean="0"/>
+              <a:rPr lang="en-US" dirty="0"/>
               <a:t>.</a:t>
             </a:r>
           </a:p>
@@ -4131,13 +5473,6 @@
   <p:clrMapOvr>
     <a:masterClrMapping/>
   </p:clrMapOvr>
-  <p:timing>
-    <p:tnLst>
-      <p:par>
-        <p:cTn id="1" dur="indefinite" restart="never" nodeType="tmRoot"/>
-      </p:par>
-    </p:tnLst>
-  </p:timing>
 </p:sld>
 </file>
 
@@ -4174,16 +5509,12 @@
           <a:lstStyle/>
           <a:p>
             <a:r>
-              <a:rPr lang="en-US" b="1" dirty="0" smtClean="0">
+              <a:rPr lang="en-US" b="1" dirty="0">
                 <a:latin typeface="Aharoni" panose="02010803020104030203" pitchFamily="2" charset="-79"/>
                 <a:cs typeface="Aharoni" panose="02010803020104030203" pitchFamily="2" charset="-79"/>
               </a:rPr>
               <a:t>Plastic People of the Universe, 1968-1988</a:t>
             </a:r>
-            <a:endParaRPr lang="en-US" b="1" dirty="0">
-              <a:latin typeface="Aharoni" panose="02010803020104030203" pitchFamily="2" charset="-79"/>
-              <a:cs typeface="Aharoni" panose="02010803020104030203" pitchFamily="2" charset="-79"/>
-            </a:endParaRPr>
           </a:p>
         </p:txBody>
       </p:sp>
@@ -4205,27 +5536,27 @@
           <a:lstStyle/>
           <a:p>
             <a:r>
-              <a:rPr lang="en-US" dirty="0" smtClean="0"/>
+              <a:rPr lang="en-US" dirty="0"/>
               <a:t>Mostly a live band, performing where they  could.</a:t>
             </a:r>
           </a:p>
           <a:p>
             <a:r>
-              <a:rPr lang="en-US" dirty="0" smtClean="0"/>
+              <a:rPr lang="en-US" dirty="0"/>
               <a:t>Banned from official performing, gathered underground cult following.</a:t>
             </a:r>
           </a:p>
           <a:p>
             <a:r>
-              <a:rPr lang="en-US" dirty="0" smtClean="0"/>
+              <a:rPr lang="en-US" dirty="0"/>
               <a:t>First album: </a:t>
             </a:r>
             <a:r>
-              <a:rPr lang="en-US" i="1" dirty="0" err="1" smtClean="0"/>
+              <a:rPr lang="en-US" i="1" dirty="0" err="1"/>
               <a:t>Egon</a:t>
             </a:r>
             <a:r>
-              <a:rPr lang="en-US" i="1" dirty="0" smtClean="0"/>
+              <a:rPr lang="en-US" i="1" dirty="0"/>
               <a:t> </a:t>
             </a:r>
             <a:r>
@@ -4238,70 +5569,38 @@
             </a:r>
             <a:r>
               <a:rPr lang="en-US" dirty="0"/>
-              <a:t> </a:t>
-            </a:r>
-            <a:r>
-              <a:rPr lang="en-US" dirty="0" smtClean="0"/>
-              <a:t>(1974-1978)</a:t>
-            </a:r>
-          </a:p>
-          <a:p>
-            <a:r>
-              <a:rPr lang="en-US" dirty="0" smtClean="0">
+              <a:t> (1974-1978)</a:t>
+            </a:r>
+          </a:p>
+          <a:p>
+            <a:r>
+              <a:rPr lang="en-US" dirty="0">
                 <a:hlinkClick r:id="rId2"/>
               </a:rPr>
               <a:t>https://www.youtube.com/watch?v=YXUIAqGFYNw</a:t>
             </a:r>
-            <a:endParaRPr lang="en-US" dirty="0" smtClean="0"/>
-          </a:p>
-          <a:p>
-            <a:r>
-              <a:rPr lang="en-US" dirty="0" smtClean="0"/>
-              <a:t>1976: The Plastics were arrested, tried, and convicted of “</a:t>
-            </a:r>
-            <a:r>
-              <a:rPr lang="en-US" dirty="0"/>
-              <a:t>organized disturbance of the </a:t>
-            </a:r>
-            <a:r>
-              <a:rPr lang="en-US" dirty="0" smtClean="0"/>
-              <a:t>peace“.</a:t>
-            </a:r>
-          </a:p>
-          <a:p>
-            <a:r>
-              <a:rPr lang="en-US" dirty="0"/>
-              <a:t>S</a:t>
-            </a:r>
-            <a:r>
-              <a:rPr lang="en-US" dirty="0" smtClean="0"/>
-              <a:t>entenced </a:t>
-            </a:r>
-            <a:r>
-              <a:rPr lang="en-US" dirty="0"/>
-              <a:t>to terms in prison </a:t>
-            </a:r>
-            <a:r>
-              <a:rPr lang="en-US" dirty="0" smtClean="0"/>
-              <a:t>from </a:t>
-            </a:r>
-            <a:r>
-              <a:rPr lang="en-US" dirty="0"/>
-              <a:t>8 to 18 </a:t>
-            </a:r>
-            <a:r>
-              <a:rPr lang="en-US" dirty="0" smtClean="0"/>
-              <a:t>months.</a:t>
-            </a:r>
-          </a:p>
-          <a:p>
-            <a:r>
-              <a:rPr lang="en-US" dirty="0" smtClean="0"/>
+            <a:endParaRPr lang="en-US" dirty="0"/>
+          </a:p>
+          <a:p>
+            <a:r>
+              <a:rPr lang="en-US" dirty="0"/>
+              <a:t>1976: The Plastics were arrested, tried, and convicted of "organized disturbance of the peace".</a:t>
+            </a:r>
+          </a:p>
+          <a:p>
+            <a:r>
+              <a:rPr lang="en-US" dirty="0"/>
+              <a:t>Sentenced to terms in prison from 8 to 18 months.</a:t>
+            </a:r>
+          </a:p>
+          <a:p>
+            <a:r>
+              <a:rPr lang="en-US" dirty="0"/>
               <a:t>In response, Vaclav Havel wrote Charter 77: insisted government follow international agreements signed: Helsinki Accords.</a:t>
             </a:r>
           </a:p>
           <a:p>
-            <a:endParaRPr lang="en-US" dirty="0" smtClean="0"/>
+            <a:endParaRPr lang="en-US" dirty="0"/>
           </a:p>
         </p:txBody>
       </p:sp>
@@ -4315,13 +5614,6 @@
   <p:clrMapOvr>
     <a:masterClrMapping/>
   </p:clrMapOvr>
-  <p:timing>
-    <p:tnLst>
-      <p:par>
-        <p:cTn id="1" dur="indefinite" restart="never" nodeType="tmRoot"/>
-      </p:par>
-    </p:tnLst>
-  </p:timing>
 </p:sld>
 </file>
 
@@ -4360,10 +5652,9 @@
           <a:lstStyle/>
           <a:p>
             <a:r>
-              <a:rPr lang="en-US" sz="6000" b="1" dirty="0" smtClean="0"/>
+              <a:rPr lang="en-US" sz="6000" b="1" dirty="0"/>
               <a:t>Australia rocks</a:t>
             </a:r>
-            <a:endParaRPr lang="en-US" sz="6000" b="1" dirty="0"/>
           </a:p>
         </p:txBody>
       </p:sp>
@@ -4390,86 +5681,81 @@
           <a:lstStyle/>
           <a:p>
             <a:r>
-              <a:rPr lang="en-US" dirty="0" smtClean="0"/>
+              <a:rPr lang="en-US" dirty="0"/>
               <a:t>AC/DC</a:t>
             </a:r>
           </a:p>
           <a:p>
             <a:r>
-              <a:rPr lang="en-US" dirty="0" smtClean="0"/>
+              <a:rPr lang="en-US" dirty="0"/>
               <a:t>Formed in 1973 by Malcolm and Angus Young (born in Glasgow, Scotland).</a:t>
             </a:r>
           </a:p>
           <a:p>
             <a:r>
-              <a:rPr lang="en-US" dirty="0" smtClean="0"/>
+              <a:rPr lang="en-US" dirty="0"/>
               <a:t>Heavy Metal</a:t>
             </a:r>
           </a:p>
           <a:p>
             <a:r>
-              <a:rPr lang="en-US" dirty="0" smtClean="0"/>
+              <a:rPr lang="en-US" dirty="0"/>
               <a:t>First album, </a:t>
             </a:r>
             <a:r>
-              <a:rPr lang="en-US" i="1" dirty="0" smtClean="0"/>
+              <a:rPr lang="en-US" i="1" dirty="0"/>
               <a:t>High Voltage</a:t>
             </a:r>
             <a:r>
-              <a:rPr lang="en-US" dirty="0" smtClean="0"/>
+              <a:rPr lang="en-US" dirty="0"/>
               <a:t>, 1975: </a:t>
             </a:r>
           </a:p>
           <a:p>
             <a:r>
               <a:rPr lang="en-US" dirty="0"/>
-              <a:t>“T.N.T”: </a:t>
+              <a:t>"T.N.T": </a:t>
             </a:r>
             <a:r>
               <a:rPr lang="en-US" dirty="0">
                 <a:hlinkClick r:id="rId2"/>
               </a:rPr>
-              <a:t>https://</a:t>
-            </a:r>
-            <a:r>
-              <a:rPr lang="en-US" dirty="0" smtClean="0">
-                <a:hlinkClick r:id="rId2"/>
-              </a:rPr>
-              <a:t>www.youtube.com/watch?v=X4RFEcR8z4Y&amp;list=PL6QlhAaVb8s73JAfKDR-CYoSp1vlGaD2z&amp;index=5</a:t>
-            </a:r>
-            <a:endParaRPr lang="en-US" dirty="0" smtClean="0"/>
-          </a:p>
-          <a:p>
-            <a:r>
-              <a:rPr lang="en-US" dirty="0" smtClean="0"/>
+              <a:t>https://www.youtube.com/watch?v=X4RFEcR8z4Y&amp;list=PL6QlhAaVb8s73JAfKDR-CYoSp1vlGaD2z&amp;index=5</a:t>
+            </a:r>
+            <a:endParaRPr lang="en-US" dirty="0"/>
+          </a:p>
+          <a:p>
+            <a:r>
+              <a:rPr lang="en-US" dirty="0"/>
               <a:t>1979: </a:t>
             </a:r>
             <a:r>
-              <a:rPr lang="en-US" i="1" dirty="0" smtClean="0"/>
+              <a:rPr lang="en-US" i="1" dirty="0"/>
               <a:t>Highway to Hell</a:t>
             </a:r>
           </a:p>
           <a:p>
             <a:r>
-              <a:rPr lang="en-US" dirty="0" smtClean="0"/>
+              <a:rPr lang="en-US" dirty="0"/>
               <a:t>1980: Bon Scott died; replaced by Brian Johnson</a:t>
             </a:r>
           </a:p>
           <a:p>
             <a:r>
-              <a:rPr lang="en-US" dirty="0" smtClean="0"/>
+              <a:rPr lang="en-US" dirty="0"/>
               <a:t>1980: </a:t>
             </a:r>
             <a:r>
-              <a:rPr lang="en-US" i="1" dirty="0" smtClean="0"/>
+              <a:rPr lang="en-US" i="1" dirty="0"/>
               <a:t>Back in Black</a:t>
             </a:r>
             <a:r>
-              <a:rPr lang="en-US" dirty="0" smtClean="0"/>
+              <a:rPr lang="en-US" dirty="0"/>
               <a:t>: Second highest?</a:t>
             </a:r>
           </a:p>
           <a:p>
+            <a:pPr lvl="1"/>
             <a:r>
               <a:rPr lang="en-US" dirty="0"/>
               <a:t>"Hells Bells", "Shoot to Thrill", "You Shook Me All Night Long", and "Rock and Roll </a:t>
@@ -4482,7 +5768,6 @@
               <a:rPr lang="en-US" dirty="0"/>
               <a:t> Noise Pollution"</a:t>
             </a:r>
-            <a:endParaRPr lang="en-US" dirty="0" smtClean="0"/>
           </a:p>
           <a:p>
             <a:endParaRPr lang="en-US" dirty="0"/>
@@ -4499,13 +5784,6 @@
   <p:clrMapOvr>
     <a:masterClrMapping/>
   </p:clrMapOvr>
-  <p:timing>
-    <p:tnLst>
-      <p:par>
-        <p:cTn id="1" dur="indefinite" restart="never" nodeType="tmRoot"/>
-      </p:par>
-    </p:tnLst>
-  </p:timing>
 </p:sld>
 </file>
 
@@ -4549,16 +5827,12 @@
           <a:lstStyle/>
           <a:p>
             <a:r>
-              <a:rPr lang="en-US" sz="5400" b="1" dirty="0" smtClean="0">
+              <a:rPr lang="en-US" sz="5400" b="1" dirty="0">
                 <a:latin typeface="Aharoni" panose="02010803020104030203" pitchFamily="2" charset="-79"/>
                 <a:cs typeface="Aharoni" panose="02010803020104030203" pitchFamily="2" charset="-79"/>
               </a:rPr>
               <a:t>Midnight Oil, 1976-2002</a:t>
             </a:r>
-            <a:endParaRPr lang="en-US" sz="5400" b="1" dirty="0">
-              <a:latin typeface="Aharoni" panose="02010803020104030203" pitchFamily="2" charset="-79"/>
-              <a:cs typeface="Aharoni" panose="02010803020104030203" pitchFamily="2" charset="-79"/>
-            </a:endParaRPr>
           </a:p>
         </p:txBody>
       </p:sp>
@@ -4585,104 +5859,98 @@
           <a:lstStyle/>
           <a:p>
             <a:r>
-              <a:rPr lang="en-US" dirty="0" smtClean="0"/>
+              <a:rPr lang="en-US" dirty="0"/>
               <a:t>Australian Rock (AC/DC, INXS, Hunters and Collectors, Crowded House)</a:t>
             </a:r>
           </a:p>
           <a:p>
             <a:r>
-              <a:rPr lang="en-US" dirty="0" smtClean="0"/>
+              <a:rPr lang="en-US" dirty="0"/>
               <a:t>Started as Farm in 1972: </a:t>
             </a:r>
           </a:p>
           <a:p>
             <a:pPr lvl="1"/>
             <a:r>
-              <a:rPr lang="en-US" dirty="0" smtClean="0"/>
+              <a:rPr lang="en-US" dirty="0"/>
               <a:t>Rob </a:t>
             </a:r>
             <a:r>
-              <a:rPr lang="en-US" dirty="0" err="1" smtClean="0"/>
+              <a:rPr lang="en-US" dirty="0" err="1"/>
               <a:t>Hirst</a:t>
             </a:r>
             <a:r>
-              <a:rPr lang="en-US" dirty="0" smtClean="0"/>
+              <a:rPr lang="en-US" dirty="0"/>
               <a:t> (drums)</a:t>
             </a:r>
           </a:p>
           <a:p>
             <a:pPr lvl="1"/>
             <a:r>
-              <a:rPr lang="en-US" dirty="0" smtClean="0"/>
+              <a:rPr lang="en-US" dirty="0"/>
               <a:t>Andrew James (bass guitar); replaced by Peter Gifford.</a:t>
             </a:r>
           </a:p>
           <a:p>
             <a:pPr lvl="1"/>
             <a:r>
-              <a:rPr lang="en-US" dirty="0" smtClean="0"/>
+              <a:rPr lang="en-US" dirty="0"/>
               <a:t>Jim </a:t>
             </a:r>
             <a:r>
-              <a:rPr lang="en-US" dirty="0" err="1" smtClean="0"/>
+              <a:rPr lang="en-US" dirty="0" err="1"/>
               <a:t>Moginie</a:t>
             </a:r>
             <a:r>
-              <a:rPr lang="en-US" dirty="0" smtClean="0"/>
+              <a:rPr lang="en-US" dirty="0"/>
               <a:t> (guitar, keyboards)</a:t>
             </a:r>
           </a:p>
           <a:p>
             <a:pPr lvl="1"/>
             <a:r>
-              <a:rPr lang="en-US" dirty="0" smtClean="0"/>
+              <a:rPr lang="en-US" dirty="0"/>
               <a:t>1975: Peter Garret (vocals)</a:t>
             </a:r>
           </a:p>
           <a:p>
             <a:pPr lvl="1"/>
             <a:r>
-              <a:rPr lang="en-US" dirty="0" smtClean="0"/>
+              <a:rPr lang="en-US" dirty="0"/>
               <a:t>1977: Martin </a:t>
             </a:r>
             <a:r>
-              <a:rPr lang="en-US" dirty="0" err="1" smtClean="0"/>
+              <a:rPr lang="en-US" dirty="0" err="1"/>
               <a:t>Rotsey</a:t>
             </a:r>
             <a:r>
-              <a:rPr lang="en-US" dirty="0" smtClean="0"/>
+              <a:rPr lang="en-US" dirty="0"/>
               <a:t> (guitars)</a:t>
             </a:r>
           </a:p>
           <a:p>
             <a:r>
-              <a:rPr lang="en-US" dirty="0" smtClean="0"/>
+              <a:rPr lang="en-US" dirty="0"/>
               <a:t>Hard rock</a:t>
             </a:r>
           </a:p>
           <a:p>
             <a:r>
-              <a:rPr lang="en-US" dirty="0" smtClean="0"/>
+              <a:rPr lang="en-US" dirty="0"/>
               <a:t>Incredible musicians</a:t>
             </a:r>
           </a:p>
           <a:p>
             <a:r>
-              <a:rPr lang="en-US" dirty="0" smtClean="0"/>
-              <a:t>Complicated </a:t>
-            </a:r>
-            <a:r>
-              <a:rPr lang="en-US" dirty="0" smtClean="0"/>
-              <a:t>music, first Australian-focused band.</a:t>
-            </a:r>
-            <a:endParaRPr lang="en-US" dirty="0" smtClean="0"/>
-          </a:p>
-          <a:p>
-            <a:r>
-              <a:rPr lang="en-US" dirty="0" smtClean="0"/>
+              <a:rPr lang="en-US" dirty="0"/>
+              <a:t>Complicated music, first Australian-focused band.</a:t>
+            </a:r>
+          </a:p>
+          <a:p>
+            <a:r>
+              <a:rPr lang="en-US" dirty="0"/>
               <a:t>Political activism: anti-nuclear, aborigines’ rights, environmental movement</a:t>
             </a:r>
-            <a:endParaRPr lang="en-US" dirty="0"/>
           </a:p>
         </p:txBody>
       </p:sp>
@@ -4736,13 +6004,6 @@
   <p:clrMapOvr>
     <a:masterClrMapping/>
   </p:clrMapOvr>
-  <p:timing>
-    <p:tnLst>
-      <p:par>
-        <p:cTn id="1" dur="indefinite" restart="never" nodeType="tmRoot"/>
-      </p:par>
-    </p:tnLst>
-  </p:timing>
 </p:sld>
 </file>
 
@@ -4779,16 +6040,12 @@
           <a:lstStyle/>
           <a:p>
             <a:r>
-              <a:rPr lang="en-US" b="1" dirty="0" smtClean="0">
+              <a:rPr lang="en-US" b="1" dirty="0">
                 <a:latin typeface="Aharoni" panose="02010803020104030203" pitchFamily="2" charset="-79"/>
                 <a:cs typeface="Aharoni" panose="02010803020104030203" pitchFamily="2" charset="-79"/>
               </a:rPr>
               <a:t>Midnight Oil, 1976-2002</a:t>
             </a:r>
-            <a:endParaRPr lang="en-US" b="1" dirty="0">
-              <a:latin typeface="Aharoni" panose="02010803020104030203" pitchFamily="2" charset="-79"/>
-              <a:cs typeface="Aharoni" panose="02010803020104030203" pitchFamily="2" charset="-79"/>
-            </a:endParaRPr>
           </a:p>
         </p:txBody>
       </p:sp>
@@ -4815,84 +6072,78 @@
           <a:lstStyle/>
           <a:p>
             <a:r>
-              <a:rPr lang="en-US" dirty="0" smtClean="0"/>
+              <a:rPr lang="en-US" dirty="0"/>
               <a:t>First album: </a:t>
             </a:r>
             <a:r>
-              <a:rPr lang="en-US" i="1" dirty="0" smtClean="0"/>
+              <a:rPr lang="en-US" i="1" dirty="0"/>
               <a:t>10, 9, 8, 7, 6, 5, 4, 3, 2, 1 </a:t>
             </a:r>
             <a:r>
-              <a:rPr lang="en-US" dirty="0" smtClean="0"/>
+              <a:rPr lang="en-US" dirty="0"/>
               <a:t>(1982)</a:t>
             </a:r>
           </a:p>
           <a:p>
             <a:r>
-              <a:rPr lang="en-US" dirty="0" smtClean="0">
+              <a:rPr lang="en-US" dirty="0">
                 <a:hlinkClick r:id="rId2"/>
               </a:rPr>
               <a:t>https://www.youtube.com/watch?v=DELihw6CXpY&amp;index=39&amp;list=PL26011B9792301682</a:t>
             </a:r>
-            <a:endParaRPr lang="en-US" dirty="0" smtClean="0"/>
-          </a:p>
-          <a:p>
-            <a:r>
-              <a:rPr lang="en-US" dirty="0" smtClean="0"/>
+            <a:endParaRPr lang="en-US" dirty="0"/>
+          </a:p>
+          <a:p>
+            <a:r>
+              <a:rPr lang="en-US" dirty="0"/>
               <a:t>Second album: </a:t>
             </a:r>
             <a:r>
-              <a:rPr lang="en-US" i="1" dirty="0" smtClean="0"/>
+              <a:rPr lang="en-US" i="1" dirty="0"/>
               <a:t>Red Sails in the Sunset</a:t>
             </a:r>
             <a:r>
-              <a:rPr lang="en-US" dirty="0" smtClean="0"/>
+              <a:rPr lang="en-US" dirty="0"/>
               <a:t> (1984)</a:t>
             </a:r>
           </a:p>
           <a:p>
             <a:r>
-              <a:rPr lang="en-US" dirty="0" smtClean="0"/>
-              <a:t>“Minutes to Midnight”</a:t>
-            </a:r>
-          </a:p>
-          <a:p>
-            <a:r>
-              <a:rPr lang="en-US" dirty="0" smtClean="0"/>
-              <a:t>“Bells and Horns in the Back of Beyond”</a:t>
-            </a:r>
-          </a:p>
-          <a:p>
-            <a:r>
-              <a:rPr lang="en-US" dirty="0" smtClean="0">
+              <a:rPr lang="en-US" dirty="0"/>
+              <a:t>"Minutes to Midnight"</a:t>
+            </a:r>
+          </a:p>
+          <a:p>
+            <a:r>
+              <a:rPr lang="en-US" dirty="0"/>
+              <a:t>"Bells and Horns in the Back of Beyond"</a:t>
+            </a:r>
+          </a:p>
+          <a:p>
+            <a:r>
+              <a:rPr lang="en-US" dirty="0">
                 <a:hlinkClick r:id="rId3"/>
               </a:rPr>
-              <a:t>https://</a:t>
-            </a:r>
-            <a:r>
-              <a:rPr lang="en-US" dirty="0" smtClean="0">
-                <a:hlinkClick r:id="rId3"/>
-              </a:rPr>
-              <a:t>www.youtube.com/watch?v=t0Nn70lSYzk</a:t>
-            </a:r>
-            <a:endParaRPr lang="en-US" dirty="0" smtClean="0"/>
-          </a:p>
-          <a:p>
-            <a:r>
-              <a:rPr lang="en-US" dirty="0" smtClean="0"/>
+              <a:t>https://www.youtube.com/watch?v=t0Nn70lSYzk</a:t>
+            </a:r>
+            <a:endParaRPr lang="en-US" dirty="0"/>
+          </a:p>
+          <a:p>
+            <a:r>
+              <a:rPr lang="en-US" dirty="0"/>
               <a:t>1987: </a:t>
             </a:r>
             <a:r>
-              <a:rPr lang="en-US" i="1" dirty="0" smtClean="0"/>
+              <a:rPr lang="en-US" i="1" dirty="0"/>
               <a:t>Diesel and Dust</a:t>
             </a:r>
             <a:r>
-              <a:rPr lang="en-US" dirty="0" smtClean="0"/>
+              <a:rPr lang="en-US" dirty="0"/>
               <a:t>: International recognition.</a:t>
             </a:r>
           </a:p>
           <a:p>
-            <a:endParaRPr lang="en-US" i="1" dirty="0" smtClean="0"/>
+            <a:endParaRPr lang="en-US" i="1" dirty="0"/>
           </a:p>
           <a:p>
             <a:endParaRPr lang="en-US" dirty="0"/>
@@ -4969,13 +6220,6 @@
   <p:clrMapOvr>
     <a:masterClrMapping/>
   </p:clrMapOvr>
-  <p:timing>
-    <p:tnLst>
-      <p:par>
-        <p:cTn id="1" dur="indefinite" restart="never" nodeType="tmRoot"/>
-      </p:par>
-    </p:tnLst>
-  </p:timing>
 </p:sld>
 </file>
 
